--- a/Solution Challenge _ Project Submission.pptx
+++ b/Solution Challenge _ Project Submission.pptx
@@ -5,7 +5,7 @@
     <p:sldMasterId id="2147483659" r:id="rId1"/>
   </p:sldMasterIdLst>
   <p:notesMasterIdLst>
-    <p:notesMasterId r:id="rId17"/>
+    <p:notesMasterId r:id="rId14"/>
   </p:notesMasterIdLst>
   <p:sldIdLst>
     <p:sldId id="256" r:id="rId2"/>
@@ -14,32 +14,29 @@
     <p:sldId id="259" r:id="rId5"/>
     <p:sldId id="260" r:id="rId6"/>
     <p:sldId id="261" r:id="rId7"/>
-    <p:sldId id="262" r:id="rId8"/>
-    <p:sldId id="263" r:id="rId9"/>
-    <p:sldId id="264" r:id="rId10"/>
-    <p:sldId id="265" r:id="rId11"/>
-    <p:sldId id="266" r:id="rId12"/>
-    <p:sldId id="267" r:id="rId13"/>
-    <p:sldId id="268" r:id="rId14"/>
-    <p:sldId id="269" r:id="rId15"/>
-    <p:sldId id="270" r:id="rId16"/>
+    <p:sldId id="263" r:id="rId8"/>
+    <p:sldId id="264" r:id="rId9"/>
+    <p:sldId id="266" r:id="rId10"/>
+    <p:sldId id="267" r:id="rId11"/>
+    <p:sldId id="268" r:id="rId12"/>
+    <p:sldId id="270" r:id="rId13"/>
   </p:sldIdLst>
   <p:sldSz cx="9144000" cy="5143500" type="screen16x9"/>
   <p:notesSz cx="6858000" cy="9144000"/>
   <p:embeddedFontLst>
     <p:embeddedFont>
       <p:font typeface="Google Sans" panose="020B0604020202020204" charset="0"/>
-      <p:regular r:id="rId18"/>
-      <p:bold r:id="rId19"/>
-      <p:italic r:id="rId20"/>
-      <p:boldItalic r:id="rId21"/>
+      <p:regular r:id="rId15"/>
+      <p:bold r:id="rId16"/>
+      <p:italic r:id="rId17"/>
+      <p:boldItalic r:id="rId18"/>
     </p:embeddedFont>
     <p:embeddedFont>
       <p:font typeface="Open Sans" panose="020B0606030504020204" pitchFamily="34" charset="0"/>
-      <p:regular r:id="rId22"/>
-      <p:bold r:id="rId23"/>
-      <p:italic r:id="rId24"/>
-      <p:boldItalic r:id="rId25"/>
+      <p:regular r:id="rId19"/>
+      <p:bold r:id="rId20"/>
+      <p:italic r:id="rId21"/>
+      <p:boldItalic r:id="rId22"/>
     </p:embeddedFont>
   </p:embeddedFontLst>
   <p:defaultTextStyle>
@@ -840,7 +837,7 @@
   <p:cSld>
     <p:spTree>
       <p:nvGrpSpPr>
-        <p:cNvPr id="1" name="Shape 115"/>
+        <p:cNvPr id="1" name="Shape 131"/>
         <p:cNvGrpSpPr/>
         <p:nvPr/>
       </p:nvGrpSpPr>
@@ -854,7 +851,7 @@
       </p:grpSpPr>
       <p:sp>
         <p:nvSpPr>
-          <p:cNvPr id="116" name="Google Shape;116;g31ef99d2c91_0_49:notes"/>
+          <p:cNvPr id="132" name="Google Shape;132;g31ef99d2c91_0_67:notes"/>
           <p:cNvSpPr>
             <a:spLocks noGrp="1" noRot="1" noChangeAspect="1"/>
           </p:cNvSpPr>
@@ -864,7 +861,7 @@
         </p:nvSpPr>
         <p:spPr>
           <a:xfrm>
-            <a:off x="381300" y="685800"/>
+            <a:off x="381000" y="685800"/>
             <a:ext cx="6096000" cy="3429000"/>
           </a:xfrm>
           <a:custGeom>
@@ -895,7 +892,7 @@
       </p:sp>
       <p:sp>
         <p:nvSpPr>
-          <p:cNvPr id="117" name="Google Shape;117;g31ef99d2c91_0_49:notes"/>
+          <p:cNvPr id="133" name="Google Shape;133;g31ef99d2c91_0_67:notes"/>
           <p:cNvSpPr txBox="1">
             <a:spLocks noGrp="1"/>
           </p:cNvSpPr>
@@ -940,214 +937,6 @@
 </file>
 
 <file path=ppt/notesSlides/notesSlide11.xml><?xml version="1.0" encoding="utf-8"?>
-<p:notes xmlns:a="http://schemas.openxmlformats.org/drawingml/2006/main" xmlns:r="http://schemas.openxmlformats.org/officeDocument/2006/relationships" xmlns:p="http://schemas.openxmlformats.org/presentationml/2006/main" showMasterSp="0" showMasterPhAnim="0">
-  <p:cSld>
-    <p:spTree>
-      <p:nvGrpSpPr>
-        <p:cNvPr id="1" name="Shape 123"/>
-        <p:cNvGrpSpPr/>
-        <p:nvPr/>
-      </p:nvGrpSpPr>
-      <p:grpSpPr>
-        <a:xfrm>
-          <a:off x="0" y="0"/>
-          <a:ext cx="0" cy="0"/>
-          <a:chOff x="0" y="0"/>
-          <a:chExt cx="0" cy="0"/>
-        </a:xfrm>
-      </p:grpSpPr>
-      <p:sp>
-        <p:nvSpPr>
-          <p:cNvPr id="124" name="Google Shape;124;g31ef99d2c91_0_55:notes"/>
-          <p:cNvSpPr>
-            <a:spLocks noGrp="1" noRot="1" noChangeAspect="1"/>
-          </p:cNvSpPr>
-          <p:nvPr>
-            <p:ph type="sldImg" idx="2"/>
-          </p:nvPr>
-        </p:nvSpPr>
-        <p:spPr>
-          <a:xfrm>
-            <a:off x="381300" y="685800"/>
-            <a:ext cx="6096000" cy="3429000"/>
-          </a:xfrm>
-          <a:custGeom>
-            <a:avLst/>
-            <a:gdLst/>
-            <a:ahLst/>
-            <a:cxnLst/>
-            <a:rect l="l" t="t" r="r" b="b"/>
-            <a:pathLst>
-              <a:path w="120000" h="120000" extrusionOk="0">
-                <a:moveTo>
-                  <a:pt x="0" y="0"/>
-                </a:moveTo>
-                <a:lnTo>
-                  <a:pt x="120000" y="0"/>
-                </a:lnTo>
-                <a:lnTo>
-                  <a:pt x="120000" y="120000"/>
-                </a:lnTo>
-                <a:lnTo>
-                  <a:pt x="0" y="120000"/>
-                </a:lnTo>
-                <a:close/>
-              </a:path>
-            </a:pathLst>
-          </a:custGeom>
-        </p:spPr>
-      </p:sp>
-      <p:sp>
-        <p:nvSpPr>
-          <p:cNvPr id="125" name="Google Shape;125;g31ef99d2c91_0_55:notes"/>
-          <p:cNvSpPr txBox="1">
-            <a:spLocks noGrp="1"/>
-          </p:cNvSpPr>
-          <p:nvPr>
-            <p:ph type="body" idx="1"/>
-          </p:nvPr>
-        </p:nvSpPr>
-        <p:spPr>
-          <a:xfrm>
-            <a:off x="685800" y="4343400"/>
-            <a:ext cx="5486400" cy="4114800"/>
-          </a:xfrm>
-          <a:prstGeom prst="rect">
-            <a:avLst/>
-          </a:prstGeom>
-        </p:spPr>
-        <p:txBody>
-          <a:bodyPr spcFirstLastPara="1" wrap="square" lIns="91425" tIns="91425" rIns="91425" bIns="91425" anchor="t" anchorCtr="0">
-            <a:noAutofit/>
-          </a:bodyPr>
-          <a:lstStyle/>
-          <a:p>
-            <a:pPr marL="0" lvl="0" indent="0" algn="l" rtl="0">
-              <a:spcBef>
-                <a:spcPts val="0"/>
-              </a:spcBef>
-              <a:spcAft>
-                <a:spcPts val="0"/>
-              </a:spcAft>
-              <a:buNone/>
-            </a:pPr>
-            <a:endParaRPr dirty="0"/>
-          </a:p>
-        </p:txBody>
-      </p:sp>
-    </p:spTree>
-  </p:cSld>
-  <p:clrMapOvr>
-    <a:masterClrMapping/>
-  </p:clrMapOvr>
-</p:notes>
-</file>
-
-<file path=ppt/notesSlides/notesSlide12.xml><?xml version="1.0" encoding="utf-8"?>
-<p:notes xmlns:a="http://schemas.openxmlformats.org/drawingml/2006/main" xmlns:r="http://schemas.openxmlformats.org/officeDocument/2006/relationships" xmlns:p="http://schemas.openxmlformats.org/presentationml/2006/main" showMasterSp="0" showMasterPhAnim="0">
-  <p:cSld>
-    <p:spTree>
-      <p:nvGrpSpPr>
-        <p:cNvPr id="1" name="Shape 131"/>
-        <p:cNvGrpSpPr/>
-        <p:nvPr/>
-      </p:nvGrpSpPr>
-      <p:grpSpPr>
-        <a:xfrm>
-          <a:off x="0" y="0"/>
-          <a:ext cx="0" cy="0"/>
-          <a:chOff x="0" y="0"/>
-          <a:chExt cx="0" cy="0"/>
-        </a:xfrm>
-      </p:grpSpPr>
-      <p:sp>
-        <p:nvSpPr>
-          <p:cNvPr id="132" name="Google Shape;132;g31ef99d2c91_0_67:notes"/>
-          <p:cNvSpPr>
-            <a:spLocks noGrp="1" noRot="1" noChangeAspect="1"/>
-          </p:cNvSpPr>
-          <p:nvPr>
-            <p:ph type="sldImg" idx="2"/>
-          </p:nvPr>
-        </p:nvSpPr>
-        <p:spPr>
-          <a:xfrm>
-            <a:off x="381300" y="685800"/>
-            <a:ext cx="6096000" cy="3429000"/>
-          </a:xfrm>
-          <a:custGeom>
-            <a:avLst/>
-            <a:gdLst/>
-            <a:ahLst/>
-            <a:cxnLst/>
-            <a:rect l="l" t="t" r="r" b="b"/>
-            <a:pathLst>
-              <a:path w="120000" h="120000" extrusionOk="0">
-                <a:moveTo>
-                  <a:pt x="0" y="0"/>
-                </a:moveTo>
-                <a:lnTo>
-                  <a:pt x="120000" y="0"/>
-                </a:lnTo>
-                <a:lnTo>
-                  <a:pt x="120000" y="120000"/>
-                </a:lnTo>
-                <a:lnTo>
-                  <a:pt x="0" y="120000"/>
-                </a:lnTo>
-                <a:close/>
-              </a:path>
-            </a:pathLst>
-          </a:custGeom>
-        </p:spPr>
-      </p:sp>
-      <p:sp>
-        <p:nvSpPr>
-          <p:cNvPr id="133" name="Google Shape;133;g31ef99d2c91_0_67:notes"/>
-          <p:cNvSpPr txBox="1">
-            <a:spLocks noGrp="1"/>
-          </p:cNvSpPr>
-          <p:nvPr>
-            <p:ph type="body" idx="1"/>
-          </p:nvPr>
-        </p:nvSpPr>
-        <p:spPr>
-          <a:xfrm>
-            <a:off x="685800" y="4343400"/>
-            <a:ext cx="5486400" cy="4114800"/>
-          </a:xfrm>
-          <a:prstGeom prst="rect">
-            <a:avLst/>
-          </a:prstGeom>
-        </p:spPr>
-        <p:txBody>
-          <a:bodyPr spcFirstLastPara="1" wrap="square" lIns="91425" tIns="91425" rIns="91425" bIns="91425" anchor="t" anchorCtr="0">
-            <a:noAutofit/>
-          </a:bodyPr>
-          <a:lstStyle/>
-          <a:p>
-            <a:pPr marL="0" lvl="0" indent="0" algn="l" rtl="0">
-              <a:spcBef>
-                <a:spcPts val="0"/>
-              </a:spcBef>
-              <a:spcAft>
-                <a:spcPts val="0"/>
-              </a:spcAft>
-              <a:buNone/>
-            </a:pPr>
-            <a:endParaRPr dirty="0"/>
-          </a:p>
-        </p:txBody>
-      </p:sp>
-    </p:spTree>
-  </p:cSld>
-  <p:clrMapOvr>
-    <a:masterClrMapping/>
-  </p:clrMapOvr>
-</p:notes>
-</file>
-
-<file path=ppt/notesSlides/notesSlide13.xml><?xml version="1.0" encoding="utf-8"?>
 <p:notes xmlns:a="http://schemas.openxmlformats.org/drawingml/2006/main" xmlns:r="http://schemas.openxmlformats.org/officeDocument/2006/relationships" xmlns:p="http://schemas.openxmlformats.org/presentationml/2006/main" showMasterSp="0" showMasterPhAnim="0">
   <p:cSld>
     <p:spTree>
@@ -1176,7 +965,7 @@
         </p:nvSpPr>
         <p:spPr>
           <a:xfrm>
-            <a:off x="381300" y="685800"/>
+            <a:off x="381000" y="685800"/>
             <a:ext cx="6096000" cy="3429000"/>
           </a:xfrm>
           <a:custGeom>
@@ -1251,111 +1040,7 @@
 </p:notes>
 </file>
 
-<file path=ppt/notesSlides/notesSlide14.xml><?xml version="1.0" encoding="utf-8"?>
-<p:notes xmlns:a="http://schemas.openxmlformats.org/drawingml/2006/main" xmlns:r="http://schemas.openxmlformats.org/officeDocument/2006/relationships" xmlns:p="http://schemas.openxmlformats.org/presentationml/2006/main" showMasterSp="0" showMasterPhAnim="0">
-  <p:cSld>
-    <p:spTree>
-      <p:nvGrpSpPr>
-        <p:cNvPr id="1" name="Shape 147"/>
-        <p:cNvGrpSpPr/>
-        <p:nvPr/>
-      </p:nvGrpSpPr>
-      <p:grpSpPr>
-        <a:xfrm>
-          <a:off x="0" y="0"/>
-          <a:ext cx="0" cy="0"/>
-          <a:chOff x="0" y="0"/>
-          <a:chExt cx="0" cy="0"/>
-        </a:xfrm>
-      </p:grpSpPr>
-      <p:sp>
-        <p:nvSpPr>
-          <p:cNvPr id="148" name="Google Shape;148;g31ef99d2c91_0_79:notes"/>
-          <p:cNvSpPr>
-            <a:spLocks noGrp="1" noRot="1" noChangeAspect="1"/>
-          </p:cNvSpPr>
-          <p:nvPr>
-            <p:ph type="sldImg" idx="2"/>
-          </p:nvPr>
-        </p:nvSpPr>
-        <p:spPr>
-          <a:xfrm>
-            <a:off x="381300" y="685800"/>
-            <a:ext cx="6096000" cy="3429000"/>
-          </a:xfrm>
-          <a:custGeom>
-            <a:avLst/>
-            <a:gdLst/>
-            <a:ahLst/>
-            <a:cxnLst/>
-            <a:rect l="l" t="t" r="r" b="b"/>
-            <a:pathLst>
-              <a:path w="120000" h="120000" extrusionOk="0">
-                <a:moveTo>
-                  <a:pt x="0" y="0"/>
-                </a:moveTo>
-                <a:lnTo>
-                  <a:pt x="120000" y="0"/>
-                </a:lnTo>
-                <a:lnTo>
-                  <a:pt x="120000" y="120000"/>
-                </a:lnTo>
-                <a:lnTo>
-                  <a:pt x="0" y="120000"/>
-                </a:lnTo>
-                <a:close/>
-              </a:path>
-            </a:pathLst>
-          </a:custGeom>
-        </p:spPr>
-      </p:sp>
-      <p:sp>
-        <p:nvSpPr>
-          <p:cNvPr id="149" name="Google Shape;149;g31ef99d2c91_0_79:notes"/>
-          <p:cNvSpPr txBox="1">
-            <a:spLocks noGrp="1"/>
-          </p:cNvSpPr>
-          <p:nvPr>
-            <p:ph type="body" idx="1"/>
-          </p:nvPr>
-        </p:nvSpPr>
-        <p:spPr>
-          <a:xfrm>
-            <a:off x="685800" y="4343400"/>
-            <a:ext cx="5486400" cy="4114800"/>
-          </a:xfrm>
-          <a:prstGeom prst="rect">
-            <a:avLst/>
-          </a:prstGeom>
-        </p:spPr>
-        <p:txBody>
-          <a:bodyPr spcFirstLastPara="1" wrap="square" lIns="91425" tIns="91425" rIns="91425" bIns="91425" anchor="t" anchorCtr="0">
-            <a:noAutofit/>
-          </a:bodyPr>
-          <a:lstStyle/>
-          <a:p>
-            <a:pPr marL="0" lvl="0" indent="0" algn="l" rtl="0">
-              <a:spcBef>
-                <a:spcPts val="0"/>
-              </a:spcBef>
-              <a:spcAft>
-                <a:spcPts val="0"/>
-              </a:spcAft>
-              <a:buNone/>
-            </a:pPr>
-            <a:endParaRPr dirty="0"/>
-          </a:p>
-        </p:txBody>
-      </p:sp>
-    </p:spTree>
-  </p:cSld>
-  <p:clrMapOvr>
-    <a:masterClrMapping/>
-  </p:clrMapOvr>
-</p:notes>
-</file>
-
-<file path=ppt/notesSlides/notesSlide15.xml><?xml version="1.0" encoding="utf-8"?>
+<file path=ppt/notesSlides/notesSlide12.xml><?xml version="1.0" encoding="utf-8"?>
 <p:notes xmlns:a="http://schemas.openxmlformats.org/drawingml/2006/main" xmlns:r="http://schemas.openxmlformats.org/officeDocument/2006/relationships" xmlns:p="http://schemas.openxmlformats.org/presentationml/2006/main" showMasterSp="0" showMasterPhAnim="0">
   <p:cSld>
     <p:spTree>
@@ -1984,7 +1669,7 @@
   <p:cSld>
     <p:spTree>
       <p:nvGrpSpPr>
-        <p:cNvPr id="1" name="Shape 91"/>
+        <p:cNvPr id="1" name="Shape 99"/>
         <p:cNvGrpSpPr/>
         <p:nvPr/>
       </p:nvGrpSpPr>
@@ -1998,7 +1683,7 @@
       </p:grpSpPr>
       <p:sp>
         <p:nvSpPr>
-          <p:cNvPr id="92" name="Google Shape;92;g31ef99d2c91_0_31:notes"/>
+          <p:cNvPr id="100" name="Google Shape;100;g31ef99d2c91_0_37:notes"/>
           <p:cNvSpPr>
             <a:spLocks noGrp="1" noRot="1" noChangeAspect="1"/>
           </p:cNvSpPr>
@@ -2039,7 +1724,7 @@
       </p:sp>
       <p:sp>
         <p:nvSpPr>
-          <p:cNvPr id="93" name="Google Shape;93;g31ef99d2c91_0_31:notes"/>
+          <p:cNvPr id="101" name="Google Shape;101;g31ef99d2c91_0_37:notes"/>
           <p:cNvSpPr txBox="1">
             <a:spLocks noGrp="1"/>
           </p:cNvSpPr>
@@ -2084,110 +1769,6 @@
 </file>
 
 <file path=ppt/notesSlides/notesSlide8.xml><?xml version="1.0" encoding="utf-8"?>
-<p:notes xmlns:a="http://schemas.openxmlformats.org/drawingml/2006/main" xmlns:r="http://schemas.openxmlformats.org/officeDocument/2006/relationships" xmlns:p="http://schemas.openxmlformats.org/presentationml/2006/main" showMasterSp="0" showMasterPhAnim="0">
-  <p:cSld>
-    <p:spTree>
-      <p:nvGrpSpPr>
-        <p:cNvPr id="1" name="Shape 99"/>
-        <p:cNvGrpSpPr/>
-        <p:nvPr/>
-      </p:nvGrpSpPr>
-      <p:grpSpPr>
-        <a:xfrm>
-          <a:off x="0" y="0"/>
-          <a:ext cx="0" cy="0"/>
-          <a:chOff x="0" y="0"/>
-          <a:chExt cx="0" cy="0"/>
-        </a:xfrm>
-      </p:grpSpPr>
-      <p:sp>
-        <p:nvSpPr>
-          <p:cNvPr id="100" name="Google Shape;100;g31ef99d2c91_0_37:notes"/>
-          <p:cNvSpPr>
-            <a:spLocks noGrp="1" noRot="1" noChangeAspect="1"/>
-          </p:cNvSpPr>
-          <p:nvPr>
-            <p:ph type="sldImg" idx="2"/>
-          </p:nvPr>
-        </p:nvSpPr>
-        <p:spPr>
-          <a:xfrm>
-            <a:off x="381300" y="685800"/>
-            <a:ext cx="6096000" cy="3429000"/>
-          </a:xfrm>
-          <a:custGeom>
-            <a:avLst/>
-            <a:gdLst/>
-            <a:ahLst/>
-            <a:cxnLst/>
-            <a:rect l="l" t="t" r="r" b="b"/>
-            <a:pathLst>
-              <a:path w="120000" h="120000" extrusionOk="0">
-                <a:moveTo>
-                  <a:pt x="0" y="0"/>
-                </a:moveTo>
-                <a:lnTo>
-                  <a:pt x="120000" y="0"/>
-                </a:lnTo>
-                <a:lnTo>
-                  <a:pt x="120000" y="120000"/>
-                </a:lnTo>
-                <a:lnTo>
-                  <a:pt x="0" y="120000"/>
-                </a:lnTo>
-                <a:close/>
-              </a:path>
-            </a:pathLst>
-          </a:custGeom>
-        </p:spPr>
-      </p:sp>
-      <p:sp>
-        <p:nvSpPr>
-          <p:cNvPr id="101" name="Google Shape;101;g31ef99d2c91_0_37:notes"/>
-          <p:cNvSpPr txBox="1">
-            <a:spLocks noGrp="1"/>
-          </p:cNvSpPr>
-          <p:nvPr>
-            <p:ph type="body" idx="1"/>
-          </p:nvPr>
-        </p:nvSpPr>
-        <p:spPr>
-          <a:xfrm>
-            <a:off x="685800" y="4343400"/>
-            <a:ext cx="5486400" cy="4114800"/>
-          </a:xfrm>
-          <a:prstGeom prst="rect">
-            <a:avLst/>
-          </a:prstGeom>
-        </p:spPr>
-        <p:txBody>
-          <a:bodyPr spcFirstLastPara="1" wrap="square" lIns="91425" tIns="91425" rIns="91425" bIns="91425" anchor="t" anchorCtr="0">
-            <a:noAutofit/>
-          </a:bodyPr>
-          <a:lstStyle/>
-          <a:p>
-            <a:pPr marL="0" lvl="0" indent="0" algn="l" rtl="0">
-              <a:spcBef>
-                <a:spcPts val="0"/>
-              </a:spcBef>
-              <a:spcAft>
-                <a:spcPts val="0"/>
-              </a:spcAft>
-              <a:buNone/>
-            </a:pPr>
-            <a:endParaRPr dirty="0"/>
-          </a:p>
-        </p:txBody>
-      </p:sp>
-    </p:spTree>
-  </p:cSld>
-  <p:clrMapOvr>
-    <a:masterClrMapping/>
-  </p:clrMapOvr>
-</p:notes>
-</file>
-
-<file path=ppt/notesSlides/notesSlide9.xml><?xml version="1.0" encoding="utf-8"?>
 <p:notes xmlns:a="http://schemas.openxmlformats.org/drawingml/2006/main" xmlns:r="http://schemas.openxmlformats.org/officeDocument/2006/relationships" xmlns:p="http://schemas.openxmlformats.org/presentationml/2006/main" showMasterSp="0" showMasterPhAnim="0">
   <p:cSld>
     <p:spTree>
@@ -2216,7 +1797,7 @@
         </p:nvSpPr>
         <p:spPr>
           <a:xfrm>
-            <a:off x="381300" y="685800"/>
+            <a:off x="381000" y="685800"/>
             <a:ext cx="6096000" cy="3429000"/>
           </a:xfrm>
           <a:custGeom>
@@ -2248,6 +1829,110 @@
       <p:sp>
         <p:nvSpPr>
           <p:cNvPr id="109" name="Google Shape;109;g31ef99d2c91_0_43:notes"/>
+          <p:cNvSpPr txBox="1">
+            <a:spLocks noGrp="1"/>
+          </p:cNvSpPr>
+          <p:nvPr>
+            <p:ph type="body" idx="1"/>
+          </p:nvPr>
+        </p:nvSpPr>
+        <p:spPr>
+          <a:xfrm>
+            <a:off x="685800" y="4343400"/>
+            <a:ext cx="5486400" cy="4114800"/>
+          </a:xfrm>
+          <a:prstGeom prst="rect">
+            <a:avLst/>
+          </a:prstGeom>
+        </p:spPr>
+        <p:txBody>
+          <a:bodyPr spcFirstLastPara="1" wrap="square" lIns="91425" tIns="91425" rIns="91425" bIns="91425" anchor="t" anchorCtr="0">
+            <a:noAutofit/>
+          </a:bodyPr>
+          <a:lstStyle/>
+          <a:p>
+            <a:pPr marL="0" lvl="0" indent="0" algn="l" rtl="0">
+              <a:spcBef>
+                <a:spcPts val="0"/>
+              </a:spcBef>
+              <a:spcAft>
+                <a:spcPts val="0"/>
+              </a:spcAft>
+              <a:buNone/>
+            </a:pPr>
+            <a:endParaRPr dirty="0"/>
+          </a:p>
+        </p:txBody>
+      </p:sp>
+    </p:spTree>
+  </p:cSld>
+  <p:clrMapOvr>
+    <a:masterClrMapping/>
+  </p:clrMapOvr>
+</p:notes>
+</file>
+
+<file path=ppt/notesSlides/notesSlide9.xml><?xml version="1.0" encoding="utf-8"?>
+<p:notes xmlns:a="http://schemas.openxmlformats.org/drawingml/2006/main" xmlns:r="http://schemas.openxmlformats.org/officeDocument/2006/relationships" xmlns:p="http://schemas.openxmlformats.org/presentationml/2006/main" showMasterSp="0" showMasterPhAnim="0">
+  <p:cSld>
+    <p:spTree>
+      <p:nvGrpSpPr>
+        <p:cNvPr id="1" name="Shape 123"/>
+        <p:cNvGrpSpPr/>
+        <p:nvPr/>
+      </p:nvGrpSpPr>
+      <p:grpSpPr>
+        <a:xfrm>
+          <a:off x="0" y="0"/>
+          <a:ext cx="0" cy="0"/>
+          <a:chOff x="0" y="0"/>
+          <a:chExt cx="0" cy="0"/>
+        </a:xfrm>
+      </p:grpSpPr>
+      <p:sp>
+        <p:nvSpPr>
+          <p:cNvPr id="124" name="Google Shape;124;g31ef99d2c91_0_55:notes"/>
+          <p:cNvSpPr>
+            <a:spLocks noGrp="1" noRot="1" noChangeAspect="1"/>
+          </p:cNvSpPr>
+          <p:nvPr>
+            <p:ph type="sldImg" idx="2"/>
+          </p:nvPr>
+        </p:nvSpPr>
+        <p:spPr>
+          <a:xfrm>
+            <a:off x="381000" y="685800"/>
+            <a:ext cx="6096000" cy="3429000"/>
+          </a:xfrm>
+          <a:custGeom>
+            <a:avLst/>
+            <a:gdLst/>
+            <a:ahLst/>
+            <a:cxnLst/>
+            <a:rect l="l" t="t" r="r" b="b"/>
+            <a:pathLst>
+              <a:path w="120000" h="120000" extrusionOk="0">
+                <a:moveTo>
+                  <a:pt x="0" y="0"/>
+                </a:moveTo>
+                <a:lnTo>
+                  <a:pt x="120000" y="0"/>
+                </a:lnTo>
+                <a:lnTo>
+                  <a:pt x="120000" y="120000"/>
+                </a:lnTo>
+                <a:lnTo>
+                  <a:pt x="0" y="120000"/>
+                </a:lnTo>
+                <a:close/>
+              </a:path>
+            </a:pathLst>
+          </a:custGeom>
+        </p:spPr>
+      </p:sp>
+      <p:sp>
+        <p:nvSpPr>
+          <p:cNvPr id="125" name="Google Shape;125;g31ef99d2c91_0_55:notes"/>
           <p:cNvSpPr txBox="1">
             <a:spLocks noGrp="1"/>
           </p:cNvSpPr>
@@ -7440,366 +7125,6 @@
   <p:cSld>
     <p:spTree>
       <p:nvGrpSpPr>
-        <p:cNvPr id="1" name="Shape 118"/>
-        <p:cNvGrpSpPr/>
-        <p:nvPr/>
-      </p:nvGrpSpPr>
-      <p:grpSpPr>
-        <a:xfrm>
-          <a:off x="0" y="0"/>
-          <a:ext cx="0" cy="0"/>
-          <a:chOff x="0" y="0"/>
-          <a:chExt cx="0" cy="0"/>
-        </a:xfrm>
-      </p:grpSpPr>
-      <p:sp>
-        <p:nvSpPr>
-          <p:cNvPr id="119" name="Google Shape;119;p22"/>
-          <p:cNvSpPr txBox="1">
-            <a:spLocks noGrp="1"/>
-          </p:cNvSpPr>
-          <p:nvPr>
-            <p:ph type="ctrTitle"/>
-          </p:nvPr>
-        </p:nvSpPr>
-        <p:spPr>
-          <a:xfrm>
-            <a:off x="311708" y="744575"/>
-            <a:ext cx="8520600" cy="2052600"/>
-          </a:xfrm>
-          <a:prstGeom prst="rect">
-            <a:avLst/>
-          </a:prstGeom>
-        </p:spPr>
-        <p:txBody>
-          <a:bodyPr spcFirstLastPara="1" wrap="square" lIns="91425" tIns="91425" rIns="91425" bIns="91425" anchor="b" anchorCtr="0">
-            <a:normAutofit/>
-          </a:bodyPr>
-          <a:lstStyle/>
-          <a:p>
-            <a:pPr marL="0" lvl="0" indent="0" algn="ctr" rtl="0">
-              <a:spcBef>
-                <a:spcPts val="0"/>
-              </a:spcBef>
-              <a:spcAft>
-                <a:spcPts val="0"/>
-              </a:spcAft>
-              <a:buNone/>
-            </a:pPr>
-            <a:endParaRPr dirty="0"/>
-          </a:p>
-        </p:txBody>
-      </p:sp>
-      <p:sp>
-        <p:nvSpPr>
-          <p:cNvPr id="120" name="Google Shape;120;p22"/>
-          <p:cNvSpPr txBox="1">
-            <a:spLocks noGrp="1"/>
-          </p:cNvSpPr>
-          <p:nvPr>
-            <p:ph type="subTitle" idx="1"/>
-          </p:nvPr>
-        </p:nvSpPr>
-        <p:spPr>
-          <a:xfrm>
-            <a:off x="311700" y="2834125"/>
-            <a:ext cx="8520600" cy="792600"/>
-          </a:xfrm>
-          <a:prstGeom prst="rect">
-            <a:avLst/>
-          </a:prstGeom>
-        </p:spPr>
-        <p:txBody>
-          <a:bodyPr spcFirstLastPara="1" wrap="square" lIns="91425" tIns="91425" rIns="91425" bIns="91425" anchor="t" anchorCtr="0">
-            <a:normAutofit/>
-          </a:bodyPr>
-          <a:lstStyle/>
-          <a:p>
-            <a:pPr marL="0" lvl="0" indent="0" algn="ctr" rtl="0">
-              <a:spcBef>
-                <a:spcPts val="0"/>
-              </a:spcBef>
-              <a:spcAft>
-                <a:spcPts val="0"/>
-              </a:spcAft>
-              <a:buNone/>
-            </a:pPr>
-            <a:endParaRPr dirty="0"/>
-          </a:p>
-        </p:txBody>
-      </p:sp>
-      <p:pic>
-        <p:nvPicPr>
-          <p:cNvPr id="121" name="Google Shape;121;p22"/>
-          <p:cNvPicPr preferRelativeResize="0"/>
-          <p:nvPr/>
-        </p:nvPicPr>
-        <p:blipFill rotWithShape="1">
-          <a:blip r:embed="rId3">
-            <a:alphaModFix/>
-          </a:blip>
-          <a:srcRect/>
-          <a:stretch/>
-        </p:blipFill>
-        <p:spPr>
-          <a:xfrm>
-            <a:off x="0" y="0"/>
-            <a:ext cx="9144000" cy="5143500"/>
-          </a:xfrm>
-          <a:prstGeom prst="rect">
-            <a:avLst/>
-          </a:prstGeom>
-          <a:noFill/>
-          <a:ln>
-            <a:noFill/>
-          </a:ln>
-        </p:spPr>
-      </p:pic>
-      <p:sp>
-        <p:nvSpPr>
-          <p:cNvPr id="122" name="Google Shape;122;p22"/>
-          <p:cNvSpPr txBox="1"/>
-          <p:nvPr/>
-        </p:nvSpPr>
-        <p:spPr>
-          <a:xfrm>
-            <a:off x="158825" y="818550"/>
-            <a:ext cx="8845200" cy="635400"/>
-          </a:xfrm>
-          <a:prstGeom prst="rect">
-            <a:avLst/>
-          </a:prstGeom>
-          <a:noFill/>
-          <a:ln>
-            <a:noFill/>
-          </a:ln>
-        </p:spPr>
-        <p:txBody>
-          <a:bodyPr spcFirstLastPara="1" wrap="square" lIns="91425" tIns="91425" rIns="91425" bIns="91425" anchor="t" anchorCtr="0">
-            <a:noAutofit/>
-          </a:bodyPr>
-          <a:lstStyle/>
-          <a:p>
-            <a:pPr marL="0" lvl="0" indent="0" algn="l" rtl="0">
-              <a:spcBef>
-                <a:spcPts val="0"/>
-              </a:spcBef>
-              <a:spcAft>
-                <a:spcPts val="0"/>
-              </a:spcAft>
-              <a:buNone/>
-            </a:pPr>
-            <a:r>
-              <a:rPr lang="en-GB" sz="1800" dirty="0">
-                <a:latin typeface="Google Sans"/>
-                <a:ea typeface="Google Sans"/>
-                <a:cs typeface="Google Sans"/>
-                <a:sym typeface="Google Sans"/>
-              </a:rPr>
-              <a:t>Estimated implementation cost (optional)</a:t>
-            </a:r>
-            <a:endParaRPr sz="1800" dirty="0">
-              <a:latin typeface="Google Sans"/>
-              <a:ea typeface="Google Sans"/>
-              <a:cs typeface="Google Sans"/>
-              <a:sym typeface="Google Sans"/>
-            </a:endParaRPr>
-          </a:p>
-        </p:txBody>
-      </p:sp>
-    </p:spTree>
-  </p:cSld>
-  <p:clrMapOvr>
-    <a:masterClrMapping/>
-  </p:clrMapOvr>
-</p:sld>
-</file>
-
-<file path=ppt/slides/slide11.xml><?xml version="1.0" encoding="utf-8"?>
-<p:sld xmlns:a="http://schemas.openxmlformats.org/drawingml/2006/main" xmlns:r="http://schemas.openxmlformats.org/officeDocument/2006/relationships" xmlns:p="http://schemas.openxmlformats.org/presentationml/2006/main">
-  <p:cSld>
-    <p:spTree>
-      <p:nvGrpSpPr>
-        <p:cNvPr id="1" name="Shape 126"/>
-        <p:cNvGrpSpPr/>
-        <p:nvPr/>
-      </p:nvGrpSpPr>
-      <p:grpSpPr>
-        <a:xfrm>
-          <a:off x="0" y="0"/>
-          <a:ext cx="0" cy="0"/>
-          <a:chOff x="0" y="0"/>
-          <a:chExt cx="0" cy="0"/>
-        </a:xfrm>
-      </p:grpSpPr>
-      <p:sp>
-        <p:nvSpPr>
-          <p:cNvPr id="127" name="Google Shape;127;p23"/>
-          <p:cNvSpPr txBox="1">
-            <a:spLocks noGrp="1"/>
-          </p:cNvSpPr>
-          <p:nvPr>
-            <p:ph type="ctrTitle"/>
-          </p:nvPr>
-        </p:nvSpPr>
-        <p:spPr>
-          <a:xfrm>
-            <a:off x="311708" y="744575"/>
-            <a:ext cx="8520600" cy="2052600"/>
-          </a:xfrm>
-          <a:prstGeom prst="rect">
-            <a:avLst/>
-          </a:prstGeom>
-        </p:spPr>
-        <p:txBody>
-          <a:bodyPr spcFirstLastPara="1" wrap="square" lIns="91425" tIns="91425" rIns="91425" bIns="91425" anchor="b" anchorCtr="0">
-            <a:normAutofit/>
-          </a:bodyPr>
-          <a:lstStyle/>
-          <a:p>
-            <a:pPr marL="0" lvl="0" indent="0" algn="ctr" rtl="0">
-              <a:spcBef>
-                <a:spcPts val="0"/>
-              </a:spcBef>
-              <a:spcAft>
-                <a:spcPts val="0"/>
-              </a:spcAft>
-              <a:buNone/>
-            </a:pPr>
-            <a:endParaRPr dirty="0"/>
-          </a:p>
-        </p:txBody>
-      </p:sp>
-      <p:sp>
-        <p:nvSpPr>
-          <p:cNvPr id="128" name="Google Shape;128;p23"/>
-          <p:cNvSpPr txBox="1">
-            <a:spLocks noGrp="1"/>
-          </p:cNvSpPr>
-          <p:nvPr>
-            <p:ph type="subTitle" idx="1"/>
-          </p:nvPr>
-        </p:nvSpPr>
-        <p:spPr>
-          <a:xfrm>
-            <a:off x="311700" y="2834125"/>
-            <a:ext cx="8520600" cy="792600"/>
-          </a:xfrm>
-          <a:prstGeom prst="rect">
-            <a:avLst/>
-          </a:prstGeom>
-        </p:spPr>
-        <p:txBody>
-          <a:bodyPr spcFirstLastPara="1" wrap="square" lIns="91425" tIns="91425" rIns="91425" bIns="91425" anchor="t" anchorCtr="0">
-            <a:normAutofit/>
-          </a:bodyPr>
-          <a:lstStyle/>
-          <a:p>
-            <a:pPr marL="0" lvl="0" indent="0" algn="ctr" rtl="0">
-              <a:spcBef>
-                <a:spcPts val="0"/>
-              </a:spcBef>
-              <a:spcAft>
-                <a:spcPts val="0"/>
-              </a:spcAft>
-              <a:buNone/>
-            </a:pPr>
-            <a:endParaRPr dirty="0"/>
-          </a:p>
-        </p:txBody>
-      </p:sp>
-      <p:pic>
-        <p:nvPicPr>
-          <p:cNvPr id="129" name="Google Shape;129;p23"/>
-          <p:cNvPicPr preferRelativeResize="0"/>
-          <p:nvPr/>
-        </p:nvPicPr>
-        <p:blipFill rotWithShape="1">
-          <a:blip r:embed="rId3">
-            <a:alphaModFix/>
-          </a:blip>
-          <a:srcRect/>
-          <a:stretch/>
-        </p:blipFill>
-        <p:spPr>
-          <a:xfrm>
-            <a:off x="0" y="0"/>
-            <a:ext cx="9144000" cy="5143500"/>
-          </a:xfrm>
-          <a:prstGeom prst="rect">
-            <a:avLst/>
-          </a:prstGeom>
-          <a:noFill/>
-          <a:ln>
-            <a:noFill/>
-          </a:ln>
-        </p:spPr>
-      </p:pic>
-      <p:sp>
-        <p:nvSpPr>
-          <p:cNvPr id="130" name="Google Shape;130;p23"/>
-          <p:cNvSpPr txBox="1"/>
-          <p:nvPr/>
-        </p:nvSpPr>
-        <p:spPr>
-          <a:xfrm>
-            <a:off x="219900" y="855225"/>
-            <a:ext cx="8723100" cy="598800"/>
-          </a:xfrm>
-          <a:prstGeom prst="rect">
-            <a:avLst/>
-          </a:prstGeom>
-          <a:noFill/>
-          <a:ln>
-            <a:noFill/>
-          </a:ln>
-        </p:spPr>
-        <p:txBody>
-          <a:bodyPr spcFirstLastPara="1" wrap="square" lIns="91425" tIns="91425" rIns="91425" bIns="91425" anchor="t" anchorCtr="0">
-            <a:noAutofit/>
-          </a:bodyPr>
-          <a:lstStyle/>
-          <a:p>
-            <a:pPr marL="0" lvl="0" indent="0" algn="l" rtl="0">
-              <a:spcBef>
-                <a:spcPts val="0"/>
-              </a:spcBef>
-              <a:spcAft>
-                <a:spcPts val="0"/>
-              </a:spcAft>
-              <a:buNone/>
-            </a:pPr>
-            <a:r>
-              <a:rPr lang="en-GB" sz="1800" dirty="0">
-                <a:latin typeface="Google Sans"/>
-                <a:ea typeface="Google Sans"/>
-                <a:cs typeface="Google Sans"/>
-                <a:sym typeface="Google Sans"/>
-              </a:rPr>
-              <a:t>Snapshots of the MVP</a:t>
-            </a:r>
-            <a:endParaRPr sz="1800" dirty="0">
-              <a:latin typeface="Google Sans"/>
-              <a:ea typeface="Google Sans"/>
-              <a:cs typeface="Google Sans"/>
-              <a:sym typeface="Google Sans"/>
-            </a:endParaRPr>
-          </a:p>
-        </p:txBody>
-      </p:sp>
-    </p:spTree>
-  </p:cSld>
-  <p:clrMapOvr>
-    <a:masterClrMapping/>
-  </p:clrMapOvr>
-</p:sld>
-</file>
-
-<file path=ppt/slides/slide12.xml><?xml version="1.0" encoding="utf-8"?>
-<p:sld xmlns:a="http://schemas.openxmlformats.org/drawingml/2006/main" xmlns:r="http://schemas.openxmlformats.org/officeDocument/2006/relationships" xmlns:p="http://schemas.openxmlformats.org/presentationml/2006/main">
-  <p:cSld>
-    <p:spTree>
-      <p:nvGrpSpPr>
         <p:cNvPr id="1" name="Shape 134"/>
         <p:cNvGrpSpPr/>
         <p:nvPr/>
@@ -7923,7 +7248,7 @@
         </p:nvSpPr>
         <p:spPr>
           <a:xfrm>
-            <a:off x="109950" y="781900"/>
+            <a:off x="405746" y="717536"/>
             <a:ext cx="8894100" cy="696300"/>
           </a:xfrm>
           <a:prstGeom prst="rect">
@@ -7964,6 +7289,91 @@
               <a:cs typeface="Google Sans"/>
               <a:sym typeface="Google Sans"/>
             </a:endParaRPr>
+          </a:p>
+        </p:txBody>
+      </p:sp>
+      <p:sp>
+        <p:nvSpPr>
+          <p:cNvPr id="2" name="TextBox 1">
+            <a:extLst>
+              <a:ext uri="{FF2B5EF4-FFF2-40B4-BE49-F238E27FC236}">
+                <a16:creationId xmlns:a16="http://schemas.microsoft.com/office/drawing/2014/main" id="{7105B4B6-2152-4DCC-1831-2D8DF714128E}"/>
+              </a:ext>
+            </a:extLst>
+          </p:cNvPr>
+          <p:cNvSpPr txBox="1"/>
+          <p:nvPr/>
+        </p:nvSpPr>
+        <p:spPr>
+          <a:xfrm>
+            <a:off x="527824" y="1155838"/>
+            <a:ext cx="8071440" cy="1200329"/>
+          </a:xfrm>
+          <a:prstGeom prst="rect">
+            <a:avLst/>
+          </a:prstGeom>
+          <a:noFill/>
+        </p:spPr>
+        <p:txBody>
+          <a:bodyPr wrap="none" rtlCol="0">
+            <a:spAutoFit/>
+          </a:bodyPr>
+          <a:lstStyle/>
+          <a:p>
+            <a:pPr marL="285750" indent="-285750">
+              <a:buFont typeface="Arial" panose="020B0604020202020204" pitchFamily="34" charset="0"/>
+              <a:buChar char="•"/>
+            </a:pPr>
+            <a:r>
+              <a:rPr lang="en-IN" sz="1800" dirty="0">
+                <a:latin typeface="Google Sans" panose="020B0604020202020204" charset="0"/>
+                <a:ea typeface="Google Sans" panose="020B0604020202020204" charset="0"/>
+                <a:cs typeface="Google Sans" panose="020B0604020202020204" charset="0"/>
+              </a:rPr>
+              <a:t>Add the Good Database System for Farmers.</a:t>
+            </a:r>
+          </a:p>
+          <a:p>
+            <a:pPr marL="285750" indent="-285750">
+              <a:buFont typeface="Arial" panose="020B0604020202020204" pitchFamily="34" charset="0"/>
+              <a:buChar char="•"/>
+            </a:pPr>
+            <a:r>
+              <a:rPr lang="en-IN" sz="1800" dirty="0">
+                <a:latin typeface="Google Sans" panose="020B0604020202020204" charset="0"/>
+                <a:ea typeface="Google Sans" panose="020B0604020202020204" charset="0"/>
+                <a:cs typeface="Google Sans" panose="020B0604020202020204" charset="0"/>
+              </a:rPr>
+              <a:t>Add a Community Section for all the local farmers.</a:t>
+            </a:r>
+          </a:p>
+          <a:p>
+            <a:pPr marL="285750" indent="-285750">
+              <a:buFont typeface="Arial" panose="020B0604020202020204" pitchFamily="34" charset="0"/>
+              <a:buChar char="•"/>
+            </a:pPr>
+            <a:r>
+              <a:rPr lang="en-IN" sz="1800" dirty="0">
+                <a:latin typeface="Google Sans" panose="020B0604020202020204" charset="0"/>
+                <a:ea typeface="Google Sans" panose="020B0604020202020204" charset="0"/>
+                <a:cs typeface="Google Sans" panose="020B0604020202020204" charset="0"/>
+              </a:rPr>
+              <a:t>Add a Tutorial section for learning</a:t>
+            </a:r>
+          </a:p>
+          <a:p>
+            <a:pPr marL="285750" indent="-285750">
+              <a:buFont typeface="Arial" panose="020B0604020202020204" pitchFamily="34" charset="0"/>
+              <a:buChar char="•"/>
+            </a:pPr>
+            <a:r>
+              <a:rPr lang="en-IN" sz="1800" dirty="0">
+                <a:latin typeface="Google Sans" panose="020B0604020202020204" charset="0"/>
+                <a:ea typeface="Google Sans" panose="020B0604020202020204" charset="0"/>
+                <a:cs typeface="Google Sans" panose="020B0604020202020204" charset="0"/>
+              </a:rPr>
+              <a:t>Add a Market Place where Farmers get the perfect pricing for their corps.</a:t>
+            </a:r>
           </a:p>
         </p:txBody>
       </p:sp>
@@ -7975,7 +7385,7 @@
 </p:sld>
 </file>
 
-<file path=ppt/slides/slide13.xml><?xml version="1.0" encoding="utf-8"?>
+<file path=ppt/slides/slide11.xml><?xml version="1.0" encoding="utf-8"?>
 <p:sld xmlns:a="http://schemas.openxmlformats.org/drawingml/2006/main" xmlns:r="http://schemas.openxmlformats.org/officeDocument/2006/relationships" xmlns:p="http://schemas.openxmlformats.org/presentationml/2006/main">
   <p:cSld>
     <p:spTree>
@@ -8181,8 +7591,37 @@
                 <a:cs typeface="Google Sans"/>
                 <a:sym typeface="Google Sans"/>
               </a:rPr>
-              <a:t>GitHub Public Repository</a:t>
-            </a:r>
+              <a:t>GitHub Public Repository : </a:t>
+            </a:r>
+            <a:r>
+              <a:rPr lang="en-GB" sz="1800" dirty="0">
+                <a:latin typeface="Google Sans"/>
+                <a:ea typeface="Google Sans"/>
+                <a:cs typeface="Google Sans"/>
+                <a:sym typeface="Google Sans"/>
+                <a:hlinkClick r:id="rId4"/>
+              </a:rPr>
+              <a:t>https://github.com/SaikatDash/Empowering-Small-and-Marginal-Farmers-with-AI-Driven-Agricultural-Solutions</a:t>
+            </a:r>
+            <a:endParaRPr lang="en-GB" sz="1800" dirty="0">
+              <a:latin typeface="Google Sans"/>
+              <a:ea typeface="Google Sans"/>
+              <a:cs typeface="Google Sans"/>
+              <a:sym typeface="Google Sans"/>
+            </a:endParaRPr>
+          </a:p>
+          <a:p>
+            <a:pPr marL="457200" lvl="0" indent="-342900" algn="l" rtl="0">
+              <a:spcBef>
+                <a:spcPts val="0"/>
+              </a:spcBef>
+              <a:spcAft>
+                <a:spcPts val="0"/>
+              </a:spcAft>
+              <a:buSzPts val="1800"/>
+              <a:buFont typeface="Google Sans"/>
+              <a:buAutoNum type="arabicPeriod"/>
+            </a:pPr>
             <a:endParaRPr sz="1800" dirty="0">
               <a:latin typeface="Google Sans"/>
               <a:ea typeface="Google Sans"/>
@@ -8209,8 +7648,21 @@
                 <a:cs typeface="Google Sans"/>
                 <a:sym typeface="Google Sans"/>
               </a:rPr>
-              <a:t>Demo Video Link (3 Minutes)</a:t>
-            </a:r>
+              <a:t>Demo Video Link (3 Minutes) : </a:t>
+            </a:r>
+          </a:p>
+          <a:p>
+            <a:pPr marL="457200" lvl="0" indent="-342900" algn="l" rtl="0">
+              <a:spcBef>
+                <a:spcPts val="0"/>
+              </a:spcBef>
+              <a:spcAft>
+                <a:spcPts val="0"/>
+              </a:spcAft>
+              <a:buSzPts val="1800"/>
+              <a:buFont typeface="Google Sans"/>
+              <a:buAutoNum type="arabicPeriod"/>
+            </a:pPr>
             <a:endParaRPr sz="1800" dirty="0">
               <a:latin typeface="Google Sans"/>
               <a:ea typeface="Google Sans"/>
@@ -8237,7 +7689,19 @@
                 <a:cs typeface="Google Sans"/>
                 <a:sym typeface="Google Sans"/>
               </a:rPr>
-              <a:t>MVP Link</a:t>
+              <a:t>MVP Link : </a:t>
+            </a:r>
+            <a:r>
+              <a:rPr lang="en-IN" sz="2400" dirty="0" err="1">
+                <a:hlinkClick r:id="rId5"/>
+              </a:rPr>
+              <a:t>KrishiSathi</a:t>
+            </a:r>
+            <a:r>
+              <a:rPr lang="en-IN" sz="2400" dirty="0">
+                <a:hlinkClick r:id="rId5"/>
+              </a:rPr>
+              <a:t> - AI-Driven Agricultural Solutions</a:t>
             </a:r>
             <a:endParaRPr sz="1800" dirty="0">
               <a:latin typeface="Google Sans"/>
@@ -8256,135 +7720,7 @@
 </p:sld>
 </file>
 
-<file path=ppt/slides/slide14.xml><?xml version="1.0" encoding="utf-8"?>
-<p:sld xmlns:a="http://schemas.openxmlformats.org/drawingml/2006/main" xmlns:r="http://schemas.openxmlformats.org/officeDocument/2006/relationships" xmlns:p="http://schemas.openxmlformats.org/presentationml/2006/main">
-  <p:cSld>
-    <p:spTree>
-      <p:nvGrpSpPr>
-        <p:cNvPr id="1" name="Shape 150"/>
-        <p:cNvGrpSpPr/>
-        <p:nvPr/>
-      </p:nvGrpSpPr>
-      <p:grpSpPr>
-        <a:xfrm>
-          <a:off x="0" y="0"/>
-          <a:ext cx="0" cy="0"/>
-          <a:chOff x="0" y="0"/>
-          <a:chExt cx="0" cy="0"/>
-        </a:xfrm>
-      </p:grpSpPr>
-      <p:sp>
-        <p:nvSpPr>
-          <p:cNvPr id="151" name="Google Shape;151;p26"/>
-          <p:cNvSpPr txBox="1">
-            <a:spLocks noGrp="1"/>
-          </p:cNvSpPr>
-          <p:nvPr>
-            <p:ph type="ctrTitle"/>
-          </p:nvPr>
-        </p:nvSpPr>
-        <p:spPr>
-          <a:xfrm>
-            <a:off x="311708" y="744575"/>
-            <a:ext cx="8520600" cy="2052600"/>
-          </a:xfrm>
-          <a:prstGeom prst="rect">
-            <a:avLst/>
-          </a:prstGeom>
-        </p:spPr>
-        <p:txBody>
-          <a:bodyPr spcFirstLastPara="1" wrap="square" lIns="91425" tIns="91425" rIns="91425" bIns="91425" anchor="b" anchorCtr="0">
-            <a:normAutofit/>
-          </a:bodyPr>
-          <a:lstStyle/>
-          <a:p>
-            <a:pPr marL="0" lvl="0" indent="0" algn="ctr" rtl="0">
-              <a:spcBef>
-                <a:spcPts val="0"/>
-              </a:spcBef>
-              <a:spcAft>
-                <a:spcPts val="0"/>
-              </a:spcAft>
-              <a:buNone/>
-            </a:pPr>
-            <a:endParaRPr dirty="0"/>
-          </a:p>
-        </p:txBody>
-      </p:sp>
-      <p:sp>
-        <p:nvSpPr>
-          <p:cNvPr id="152" name="Google Shape;152;p26"/>
-          <p:cNvSpPr txBox="1">
-            <a:spLocks noGrp="1"/>
-          </p:cNvSpPr>
-          <p:nvPr>
-            <p:ph type="subTitle" idx="1"/>
-          </p:nvPr>
-        </p:nvSpPr>
-        <p:spPr>
-          <a:xfrm>
-            <a:off x="311700" y="2834125"/>
-            <a:ext cx="8520600" cy="792600"/>
-          </a:xfrm>
-          <a:prstGeom prst="rect">
-            <a:avLst/>
-          </a:prstGeom>
-        </p:spPr>
-        <p:txBody>
-          <a:bodyPr spcFirstLastPara="1" wrap="square" lIns="91425" tIns="91425" rIns="91425" bIns="91425" anchor="t" anchorCtr="0">
-            <a:normAutofit/>
-          </a:bodyPr>
-          <a:lstStyle/>
-          <a:p>
-            <a:pPr marL="0" lvl="0" indent="0" algn="ctr" rtl="0">
-              <a:spcBef>
-                <a:spcPts val="0"/>
-              </a:spcBef>
-              <a:spcAft>
-                <a:spcPts val="0"/>
-              </a:spcAft>
-              <a:buNone/>
-            </a:pPr>
-            <a:endParaRPr dirty="0"/>
-          </a:p>
-        </p:txBody>
-      </p:sp>
-      <p:pic>
-        <p:nvPicPr>
-          <p:cNvPr id="153" name="Google Shape;153;p26"/>
-          <p:cNvPicPr preferRelativeResize="0"/>
-          <p:nvPr/>
-        </p:nvPicPr>
-        <p:blipFill rotWithShape="1">
-          <a:blip r:embed="rId3">
-            <a:alphaModFix/>
-          </a:blip>
-          <a:srcRect/>
-          <a:stretch/>
-        </p:blipFill>
-        <p:spPr>
-          <a:xfrm>
-            <a:off x="0" y="0"/>
-            <a:ext cx="9144000" cy="5143500"/>
-          </a:xfrm>
-          <a:prstGeom prst="rect">
-            <a:avLst/>
-          </a:prstGeom>
-          <a:noFill/>
-          <a:ln>
-            <a:noFill/>
-          </a:ln>
-        </p:spPr>
-      </p:pic>
-    </p:spTree>
-  </p:cSld>
-  <p:clrMapOvr>
-    <a:masterClrMapping/>
-  </p:clrMapOvr>
-</p:sld>
-</file>
-
-<file path=ppt/slides/slide15.xml><?xml version="1.0" encoding="utf-8"?>
+<file path=ppt/slides/slide12.xml><?xml version="1.0" encoding="utf-8"?>
 <p:sld xmlns:a="http://schemas.openxmlformats.org/drawingml/2006/main" xmlns:r="http://schemas.openxmlformats.org/officeDocument/2006/relationships" xmlns:p="http://schemas.openxmlformats.org/presentationml/2006/main">
   <p:cSld>
     <p:spTree>
@@ -8854,7 +8190,7 @@
         </p:nvSpPr>
         <p:spPr>
           <a:xfrm>
-            <a:off x="100500" y="450330"/>
+            <a:off x="201000" y="590142"/>
             <a:ext cx="8943000" cy="561900"/>
           </a:xfrm>
           <a:prstGeom prst="rect">
@@ -8912,8 +8248,8 @@
         </p:nvSpPr>
         <p:spPr>
           <a:xfrm>
-            <a:off x="330958" y="879192"/>
-            <a:ext cx="8634622" cy="2800767"/>
+            <a:off x="293649" y="946100"/>
+            <a:ext cx="8634622" cy="2308324"/>
           </a:xfrm>
           <a:prstGeom prst="rect">
             <a:avLst/>
@@ -9003,21 +8339,6 @@
             <a:r>
               <a:rPr lang="en-IN" sz="1600" dirty="0"/>
               <a:t> – Collected Survey data on the location’s soil data helps to improve soil quality.</a:t>
-            </a:r>
-            <a:br>
-              <a:rPr lang="en-IN" sz="1600" dirty="0"/>
-            </a:br>
-            <a:r>
-              <a:rPr lang="en-IN" sz="1600" dirty="0"/>
-              <a:t>🔹 </a:t>
-            </a:r>
-            <a:r>
-              <a:rPr lang="en-IN" sz="1600" b="1" dirty="0"/>
-              <a:t>Smart Irrigation &amp; Resource Optimization</a:t>
-            </a:r>
-            <a:r>
-              <a:rPr lang="en-IN" sz="1600" dirty="0"/>
-              <a:t> – AI-based water management for efficient irrigation.</a:t>
             </a:r>
             <a:br>
               <a:rPr lang="en-IN" sz="1600" dirty="0"/>
@@ -9051,8 +8372,8 @@
         </p:nvSpPr>
         <p:spPr>
           <a:xfrm>
-            <a:off x="215729" y="3583184"/>
-            <a:ext cx="8712542" cy="1631216"/>
+            <a:off x="293649" y="3182130"/>
+            <a:ext cx="1055510" cy="400110"/>
           </a:xfrm>
           <a:prstGeom prst="rect">
             <a:avLst/>
@@ -9082,52 +8403,82 @@
               <a:t> </a:t>
             </a:r>
           </a:p>
-          <a:p>
-            <a:r>
-              <a:rPr lang="en-IN" sz="1600" dirty="0"/>
-              <a:t>✅ </a:t>
-            </a:r>
-            <a:r>
-              <a:rPr lang="en-IN" sz="1600" b="1" dirty="0"/>
+        </p:txBody>
+      </p:sp>
+      <p:sp>
+        <p:nvSpPr>
+          <p:cNvPr id="4" name="TextBox 3">
+            <a:extLst>
+              <a:ext uri="{FF2B5EF4-FFF2-40B4-BE49-F238E27FC236}">
+                <a16:creationId xmlns:a16="http://schemas.microsoft.com/office/drawing/2014/main" id="{77807080-1AC3-4589-1194-94D0705D1F58}"/>
+              </a:ext>
+            </a:extLst>
+          </p:cNvPr>
+          <p:cNvSpPr txBox="1"/>
+          <p:nvPr/>
+        </p:nvSpPr>
+        <p:spPr>
+          <a:xfrm>
+            <a:off x="379143" y="3527207"/>
+            <a:ext cx="5525872" cy="1477328"/>
+          </a:xfrm>
+          <a:prstGeom prst="rect">
+            <a:avLst/>
+          </a:prstGeom>
+          <a:noFill/>
+        </p:spPr>
+        <p:txBody>
+          <a:bodyPr wrap="none" rtlCol="0">
+            <a:spAutoFit/>
+          </a:bodyPr>
+          <a:lstStyle/>
+          <a:p>
+            <a:pPr marL="285750" indent="-285750">
+              <a:buFont typeface="Arial" panose="020B0604020202020204" pitchFamily="34" charset="0"/>
+              <a:buChar char="•"/>
+            </a:pPr>
+            <a:r>
+              <a:rPr lang="en-IN" sz="1800" b="1" dirty="0"/>
               <a:t>Increases Yield &amp; Reduces Losses</a:t>
             </a:r>
-            <a:br>
-              <a:rPr lang="en-IN" sz="1600" dirty="0"/>
-            </a:br>
-            <a:r>
-              <a:rPr lang="en-IN" sz="1600" dirty="0"/>
-              <a:t>✅ </a:t>
-            </a:r>
-            <a:r>
-              <a:rPr lang="en-IN" sz="1600" b="1" dirty="0"/>
+          </a:p>
+          <a:p>
+            <a:pPr marL="285750" indent="-285750">
+              <a:buFont typeface="Arial" panose="020B0604020202020204" pitchFamily="34" charset="0"/>
+              <a:buChar char="•"/>
+            </a:pPr>
+            <a:r>
+              <a:rPr lang="en-IN" sz="1800" b="1" dirty="0"/>
               <a:t>Optimizes Resource Usage (Water, Fertilizers)</a:t>
             </a:r>
-            <a:br>
-              <a:rPr lang="en-IN" sz="1600" dirty="0"/>
-            </a:br>
-            <a:r>
-              <a:rPr lang="en-IN" sz="1600" dirty="0"/>
-              <a:t>✅ </a:t>
-            </a:r>
-            <a:r>
-              <a:rPr lang="en-IN" sz="1600" b="1" dirty="0"/>
+          </a:p>
+          <a:p>
+            <a:pPr marL="285750" indent="-285750">
+              <a:buFont typeface="Arial" panose="020B0604020202020204" pitchFamily="34" charset="0"/>
+              <a:buChar char="•"/>
+            </a:pPr>
+            <a:r>
+              <a:rPr lang="en-IN" sz="1800" dirty="0"/>
+              <a:t> </a:t>
+            </a:r>
+            <a:r>
+              <a:rPr lang="en-IN" sz="1800" b="1" dirty="0"/>
               <a:t>Enhances Climate Resilience</a:t>
             </a:r>
-            <a:br>
-              <a:rPr lang="en-IN" sz="1600" dirty="0"/>
-            </a:br>
-            <a:r>
-              <a:rPr lang="en-IN" sz="1600" dirty="0"/>
-              <a:t>✅ </a:t>
-            </a:r>
-            <a:r>
-              <a:rPr lang="en-IN" sz="1600" b="1" dirty="0"/>
+          </a:p>
+          <a:p>
+            <a:pPr marL="285750" indent="-285750">
+              <a:buFont typeface="Arial" panose="020B0604020202020204" pitchFamily="34" charset="0"/>
+              <a:buChar char="•"/>
+            </a:pPr>
+            <a:r>
+              <a:rPr lang="en-IN" sz="1800" b="1" dirty="0"/>
               <a:t>Improves Farmers' Livelihoods</a:t>
             </a:r>
-            <a:endParaRPr lang="en-IN" sz="1600" dirty="0"/>
-          </a:p>
-          <a:p>
-            <a:endParaRPr lang="en-IN" sz="1600" dirty="0"/>
+            <a:endParaRPr lang="en-IN" sz="1800" dirty="0"/>
+          </a:p>
+          <a:p>
+            <a:endParaRPr lang="en-IN" sz="1800" dirty="0"/>
           </a:p>
         </p:txBody>
       </p:sp>
@@ -9595,7 +8946,7 @@
         </p:nvSpPr>
         <p:spPr>
           <a:xfrm>
-            <a:off x="98808" y="416610"/>
+            <a:off x="222600" y="639634"/>
             <a:ext cx="8698800" cy="549900"/>
           </a:xfrm>
           <a:prstGeom prst="rect">
@@ -9655,8 +9006,8 @@
         </p:nvSpPr>
         <p:spPr bwMode="auto">
           <a:xfrm>
-            <a:off x="309198" y="829723"/>
-            <a:ext cx="8661606" cy="4278094"/>
+            <a:off x="371094" y="1050518"/>
+            <a:ext cx="8550306" cy="3970318"/>
           </a:xfrm>
           <a:prstGeom prst="rect">
             <a:avLst/>
@@ -9721,7 +9072,7 @@
               <a:tabLst/>
             </a:pPr>
             <a:r>
-              <a:rPr kumimoji="0" lang="en-US" altLang="en-US" sz="1600" b="1" i="0" u="none" strike="noStrike" cap="none" normalizeH="0" baseline="0" dirty="0">
+              <a:rPr kumimoji="0" lang="en-US" altLang="en-US" sz="1800" b="1" i="0" u="none" strike="noStrike" cap="none" normalizeH="0" baseline="0" dirty="0">
                 <a:ln>
                   <a:noFill/>
                 </a:ln>
@@ -9734,7 +9085,7 @@
               <a:t>AI-Powered Crop &amp; Seed Selection</a:t>
             </a:r>
             <a:r>
-              <a:rPr kumimoji="0" lang="en-US" altLang="en-US" sz="1600" b="0" i="0" u="none" strike="noStrike" cap="none" normalizeH="0" baseline="0" dirty="0">
+              <a:rPr kumimoji="0" lang="en-US" altLang="en-US" sz="1800" b="0" i="0" u="none" strike="noStrike" cap="none" normalizeH="0" baseline="0" dirty="0">
                 <a:ln>
                   <a:noFill/>
                 </a:ln>
@@ -9765,7 +9116,7 @@
               <a:tabLst/>
             </a:pPr>
             <a:r>
-              <a:rPr kumimoji="0" lang="en-US" altLang="en-US" sz="1600" b="1" i="0" u="none" strike="noStrike" cap="none" normalizeH="0" baseline="0" dirty="0">
+              <a:rPr kumimoji="0" lang="en-US" altLang="en-US" sz="1800" b="1" i="0" u="none" strike="noStrike" cap="none" normalizeH="0" baseline="0" dirty="0">
                 <a:ln>
                   <a:noFill/>
                 </a:ln>
@@ -9778,7 +9129,7 @@
               <a:t>Climate &amp; Weather Prediction</a:t>
             </a:r>
             <a:r>
-              <a:rPr kumimoji="0" lang="en-US" altLang="en-US" sz="1600" b="0" i="0" u="none" strike="noStrike" cap="none" normalizeH="0" baseline="0" dirty="0">
+              <a:rPr kumimoji="0" lang="en-US" altLang="en-US" sz="1800" b="0" i="0" u="none" strike="noStrike" cap="none" normalizeH="0" baseline="0" dirty="0">
                 <a:ln>
                   <a:noFill/>
                 </a:ln>
@@ -9809,7 +9160,7 @@
               <a:tabLst/>
             </a:pPr>
             <a:r>
-              <a:rPr kumimoji="0" lang="en-US" altLang="en-US" sz="1600" b="1" i="0" u="none" strike="noStrike" cap="none" normalizeH="0" baseline="0" dirty="0">
+              <a:rPr kumimoji="0" lang="en-US" altLang="en-US" sz="1800" b="1" i="0" u="none" strike="noStrike" cap="none" normalizeH="0" baseline="0" dirty="0">
                 <a:ln>
                   <a:noFill/>
                 </a:ln>
@@ -9822,7 +9173,7 @@
               <a:t>Disease &amp; Pest Detection</a:t>
             </a:r>
             <a:r>
-              <a:rPr kumimoji="0" lang="en-US" altLang="en-US" sz="1600" b="0" i="0" u="none" strike="noStrike" cap="none" normalizeH="0" baseline="0" dirty="0">
+              <a:rPr kumimoji="0" lang="en-US" altLang="en-US" sz="1800" b="0" i="0" u="none" strike="noStrike" cap="none" normalizeH="0" baseline="0" dirty="0">
                 <a:ln>
                   <a:noFill/>
                 </a:ln>
@@ -9853,7 +9204,7 @@
               <a:tabLst/>
             </a:pPr>
             <a:r>
-              <a:rPr kumimoji="0" lang="en-US" altLang="en-US" sz="1600" b="1" i="0" u="none" strike="noStrike" cap="none" normalizeH="0" baseline="0" dirty="0">
+              <a:rPr kumimoji="0" lang="en-US" altLang="en-US" sz="1800" b="1" i="0" u="none" strike="noStrike" cap="none" normalizeH="0" baseline="0" dirty="0">
                 <a:ln>
                   <a:noFill/>
                 </a:ln>
@@ -9863,10 +9214,10 @@
                 <a:effectLst/>
                 <a:latin typeface="Arial" panose="020B0604020202020204" pitchFamily="34" charset="0"/>
               </a:rPr>
-              <a:t>Smart Fertilizer &amp; Soil Management</a:t>
-            </a:r>
-            <a:r>
-              <a:rPr kumimoji="0" lang="en-US" altLang="en-US" sz="1600" b="0" i="0" u="none" strike="noStrike" cap="none" normalizeH="0" baseline="0" dirty="0">
+              <a:t>Smart Soil Management</a:t>
+            </a:r>
+            <a:r>
+              <a:rPr kumimoji="0" lang="en-US" altLang="en-US" sz="1800" b="0" i="0" u="none" strike="noStrike" cap="none" normalizeH="0" baseline="0" dirty="0">
                 <a:ln>
                   <a:noFill/>
                 </a:ln>
@@ -9897,7 +9248,7 @@
               <a:tabLst/>
             </a:pPr>
             <a:r>
-              <a:rPr kumimoji="0" lang="en-US" altLang="en-US" sz="1600" b="1" i="0" u="none" strike="noStrike" cap="none" normalizeH="0" baseline="0" dirty="0">
+              <a:rPr kumimoji="0" lang="en-US" altLang="en-US" sz="1800" b="1" i="0" u="none" strike="noStrike" cap="none" normalizeH="0" baseline="0" dirty="0">
                 <a:ln>
                   <a:noFill/>
                 </a:ln>
@@ -9910,7 +9261,7 @@
               <a:t>Market Price Prediction &amp; Direct Selling</a:t>
             </a:r>
             <a:r>
-              <a:rPr kumimoji="0" lang="en-US" altLang="en-US" sz="1600" b="0" i="0" u="none" strike="noStrike" cap="none" normalizeH="0" baseline="0" dirty="0">
+              <a:rPr kumimoji="0" lang="en-US" altLang="en-US" sz="1800" b="0" i="0" u="none" strike="noStrike" cap="none" normalizeH="0" baseline="0" dirty="0">
                 <a:ln>
                   <a:noFill/>
                 </a:ln>
@@ -9924,6 +9275,57 @@
             </a:r>
           </a:p>
           <a:p>
+            <a:pPr eaLnBrk="0" fontAlgn="base" hangingPunct="0">
+              <a:spcBef>
+                <a:spcPct val="0"/>
+              </a:spcBef>
+              <a:spcAft>
+                <a:spcPct val="0"/>
+              </a:spcAft>
+              <a:buClrTx/>
+              <a:buFontTx/>
+              <a:buChar char="•"/>
+            </a:pPr>
+            <a:r>
+              <a:rPr lang="en-US" sz="1800" b="1" dirty="0">
+                <a:solidFill>
+                  <a:schemeClr val="tx1"/>
+                </a:solidFill>
+                <a:latin typeface="Arial" panose="020B0604020202020204" pitchFamily="34" charset="0"/>
+              </a:rPr>
+              <a:t>Web-Based Platform for Easy Access</a:t>
+            </a:r>
+          </a:p>
+          <a:p>
+            <a:pPr eaLnBrk="0" fontAlgn="base" hangingPunct="0">
+              <a:spcBef>
+                <a:spcPct val="0"/>
+              </a:spcBef>
+              <a:spcAft>
+                <a:spcPct val="0"/>
+              </a:spcAft>
+              <a:buClrTx/>
+            </a:pPr>
+            <a:r>
+              <a:rPr lang="en-US" sz="1800" b="1" dirty="0">
+                <a:solidFill>
+                  <a:schemeClr val="tx1"/>
+                </a:solidFill>
+                <a:latin typeface="Arial" panose="020B0604020202020204" pitchFamily="34" charset="0"/>
+              </a:rPr>
+              <a:t>  </a:t>
+            </a:r>
+            <a:r>
+              <a:rPr lang="en-US" sz="1800" dirty="0">
+                <a:solidFill>
+                  <a:schemeClr val="tx1"/>
+                </a:solidFill>
+                <a:latin typeface="Arial" panose="020B0604020202020204" pitchFamily="34" charset="0"/>
+              </a:rPr>
+              <a:t>A farmer-friendly mobile &amp; web app for real-time access to all AI-driven recommendations.</a:t>
+            </a:r>
+          </a:p>
+          <a:p>
             <a:pPr marL="0" marR="0" lvl="0" indent="0" algn="l" defTabSz="914400" rtl="0" eaLnBrk="0" fontAlgn="base" latinLnBrk="0" hangingPunct="0">
               <a:lnSpc>
                 <a:spcPct val="100000"/>
@@ -9940,146 +9342,7 @@
               <a:buChar char="•"/>
               <a:tabLst/>
             </a:pPr>
-            <a:r>
-              <a:rPr kumimoji="0" lang="en-US" altLang="en-US" sz="1600" b="1" i="0" u="none" strike="noStrike" cap="none" normalizeH="0" baseline="0" dirty="0">
-                <a:ln>
-                  <a:noFill/>
-                </a:ln>
-                <a:solidFill>
-                  <a:schemeClr val="tx1"/>
-                </a:solidFill>
-                <a:effectLst/>
-                <a:latin typeface="Arial" panose="020B0604020202020204" pitchFamily="34" charset="0"/>
-              </a:rPr>
-              <a:t>Sustainable Farming &amp; Water Conservation</a:t>
-            </a:r>
-            <a:r>
-              <a:rPr kumimoji="0" lang="en-US" altLang="en-US" sz="1600" b="0" i="0" u="none" strike="noStrike" cap="none" normalizeH="0" baseline="0" dirty="0">
-                <a:ln>
-                  <a:noFill/>
-                </a:ln>
-                <a:solidFill>
-                  <a:schemeClr val="tx1"/>
-                </a:solidFill>
-                <a:effectLst/>
-                <a:latin typeface="Arial" panose="020B0604020202020204" pitchFamily="34" charset="0"/>
-              </a:rPr>
-              <a:t> – Advises on eco-friendly farming techniques and promotes water-efficient irrigation by providing </a:t>
-            </a:r>
-          </a:p>
-          <a:p>
-            <a:pPr marL="0" marR="0" lvl="0" indent="0" algn="l" defTabSz="914400" rtl="0" eaLnBrk="0" fontAlgn="base" latinLnBrk="0" hangingPunct="0">
-              <a:lnSpc>
-                <a:spcPct val="100000"/>
-              </a:lnSpc>
-              <a:spcBef>
-                <a:spcPct val="0"/>
-              </a:spcBef>
-              <a:spcAft>
-                <a:spcPct val="0"/>
-              </a:spcAft>
-              <a:buClrTx/>
-              <a:buSzTx/>
-              <a:buFontTx/>
-              <a:buChar char="•"/>
-              <a:tabLst/>
-            </a:pPr>
-            <a:r>
-              <a:rPr kumimoji="0" lang="en-US" altLang="en-US" sz="1600" b="1" i="0" u="none" strike="noStrike" cap="none" normalizeH="0" baseline="0" dirty="0">
-                <a:ln>
-                  <a:noFill/>
-                </a:ln>
-                <a:solidFill>
-                  <a:schemeClr val="tx1"/>
-                </a:solidFill>
-                <a:effectLst/>
-                <a:latin typeface="Arial" panose="020B0604020202020204" pitchFamily="34" charset="0"/>
-              </a:rPr>
-              <a:t>Farmer Education via AI Chatbots</a:t>
-            </a:r>
-            <a:r>
-              <a:rPr kumimoji="0" lang="en-US" altLang="en-US" sz="1600" b="0" i="0" u="none" strike="noStrike" cap="none" normalizeH="0" baseline="0" dirty="0">
-                <a:ln>
-                  <a:noFill/>
-                </a:ln>
-                <a:solidFill>
-                  <a:schemeClr val="tx1"/>
-                </a:solidFill>
-                <a:effectLst/>
-                <a:latin typeface="Arial" panose="020B0604020202020204" pitchFamily="34" charset="0"/>
-              </a:rPr>
-              <a:t> – Provides 24/7 farming guidance through AI-powered chatbots, video training, and local community support. </a:t>
-            </a:r>
-          </a:p>
-          <a:p>
-            <a:pPr eaLnBrk="0" fontAlgn="base" hangingPunct="0">
-              <a:spcBef>
-                <a:spcPct val="0"/>
-              </a:spcBef>
-              <a:spcAft>
-                <a:spcPct val="0"/>
-              </a:spcAft>
-              <a:buClrTx/>
-              <a:buFontTx/>
-              <a:buChar char="•"/>
-            </a:pPr>
-            <a:r>
-              <a:rPr lang="en-US" sz="1600" b="1" dirty="0">
-                <a:solidFill>
-                  <a:schemeClr val="tx1"/>
-                </a:solidFill>
-                <a:latin typeface="Arial" panose="020B0604020202020204" pitchFamily="34" charset="0"/>
-              </a:rPr>
-              <a:t>Mobile &amp; Web-Based Platform for Easy Access</a:t>
-            </a:r>
-          </a:p>
-          <a:p>
-            <a:pPr eaLnBrk="0" fontAlgn="base" hangingPunct="0">
-              <a:spcBef>
-                <a:spcPct val="0"/>
-              </a:spcBef>
-              <a:spcAft>
-                <a:spcPct val="0"/>
-              </a:spcAft>
-              <a:buClrTx/>
-            </a:pPr>
-            <a:r>
-              <a:rPr lang="en-US" sz="1600" b="1" dirty="0">
-                <a:solidFill>
-                  <a:schemeClr val="tx1"/>
-                </a:solidFill>
-                <a:latin typeface="Arial" panose="020B0604020202020204" pitchFamily="34" charset="0"/>
-              </a:rPr>
-              <a:t>  </a:t>
-            </a:r>
-            <a:r>
-              <a:rPr lang="en-US" sz="1600" dirty="0">
-                <a:solidFill>
-                  <a:schemeClr val="tx1"/>
-                </a:solidFill>
-                <a:latin typeface="Arial" panose="020B0604020202020204" pitchFamily="34" charset="0"/>
-              </a:rPr>
-              <a:t>A farmer-friendly mobile &amp; web app for real-time access to all AI-driven recommendations.</a:t>
-            </a:r>
-          </a:p>
-          <a:p>
-            <a:pPr marL="0" marR="0" lvl="0" indent="0" algn="l" defTabSz="914400" rtl="0" eaLnBrk="0" fontAlgn="base" latinLnBrk="0" hangingPunct="0">
-              <a:lnSpc>
-                <a:spcPct val="100000"/>
-              </a:lnSpc>
-              <a:spcBef>
-                <a:spcPct val="0"/>
-              </a:spcBef>
-              <a:spcAft>
-                <a:spcPct val="0"/>
-              </a:spcAft>
-              <a:buClrTx/>
-              <a:buSzTx/>
-              <a:buFontTx/>
-              <a:buChar char="•"/>
-              <a:tabLst/>
-            </a:pPr>
-            <a:endParaRPr kumimoji="0" lang="en-US" altLang="en-US" sz="1600" b="0" i="0" u="none" strike="noStrike" cap="none" normalizeH="0" baseline="0" dirty="0">
+            <a:endParaRPr kumimoji="0" lang="en-US" altLang="en-US" sz="1800" b="0" i="0" u="none" strike="noStrike" cap="none" normalizeH="0" baseline="0" dirty="0">
               <a:ln>
                 <a:noFill/>
               </a:ln>
@@ -10220,6 +9483,35 @@
           </a:ln>
         </p:spPr>
       </p:pic>
+      <p:pic>
+        <p:nvPicPr>
+          <p:cNvPr id="7" name="Picture 6">
+            <a:extLst>
+              <a:ext uri="{FF2B5EF4-FFF2-40B4-BE49-F238E27FC236}">
+                <a16:creationId xmlns:a16="http://schemas.microsoft.com/office/drawing/2014/main" id="{532A8575-C1C2-4DA1-5F27-82564CAC1F5E}"/>
+              </a:ext>
+            </a:extLst>
+          </p:cNvPr>
+          <p:cNvPicPr>
+            <a:picLocks noChangeAspect="1"/>
+          </p:cNvPicPr>
+          <p:nvPr/>
+        </p:nvPicPr>
+        <p:blipFill>
+          <a:blip r:embed="rId4"/>
+          <a:srcRect t="25327"/>
+          <a:stretch/>
+        </p:blipFill>
+        <p:spPr>
+          <a:xfrm>
+            <a:off x="404812" y="966626"/>
+            <a:ext cx="8334375" cy="3501295"/>
+          </a:xfrm>
+          <a:prstGeom prst="rect">
+            <a:avLst/>
+          </a:prstGeom>
+        </p:spPr>
+      </p:pic>
       <p:sp>
         <p:nvSpPr>
           <p:cNvPr id="90" name="Google Shape;90;p18"/>
@@ -10228,7 +9520,7 @@
         </p:nvSpPr>
         <p:spPr>
           <a:xfrm>
-            <a:off x="186000" y="488075"/>
+            <a:off x="185999" y="626509"/>
             <a:ext cx="8772000" cy="513000"/>
           </a:xfrm>
           <a:prstGeom prst="rect">
@@ -10281,186 +9573,6 @@
 </file>
 
 <file path=ppt/slides/slide7.xml><?xml version="1.0" encoding="utf-8"?>
-<p:sld xmlns:a="http://schemas.openxmlformats.org/drawingml/2006/main" xmlns:r="http://schemas.openxmlformats.org/officeDocument/2006/relationships" xmlns:p="http://schemas.openxmlformats.org/presentationml/2006/main">
-  <p:cSld>
-    <p:spTree>
-      <p:nvGrpSpPr>
-        <p:cNvPr id="1" name="Shape 94"/>
-        <p:cNvGrpSpPr/>
-        <p:nvPr/>
-      </p:nvGrpSpPr>
-      <p:grpSpPr>
-        <a:xfrm>
-          <a:off x="0" y="0"/>
-          <a:ext cx="0" cy="0"/>
-          <a:chOff x="0" y="0"/>
-          <a:chExt cx="0" cy="0"/>
-        </a:xfrm>
-      </p:grpSpPr>
-      <p:sp>
-        <p:nvSpPr>
-          <p:cNvPr id="95" name="Google Shape;95;p19"/>
-          <p:cNvSpPr txBox="1">
-            <a:spLocks noGrp="1"/>
-          </p:cNvSpPr>
-          <p:nvPr>
-            <p:ph type="ctrTitle"/>
-          </p:nvPr>
-        </p:nvSpPr>
-        <p:spPr>
-          <a:xfrm>
-            <a:off x="311708" y="744575"/>
-            <a:ext cx="8520600" cy="2052600"/>
-          </a:xfrm>
-          <a:prstGeom prst="rect">
-            <a:avLst/>
-          </a:prstGeom>
-        </p:spPr>
-        <p:txBody>
-          <a:bodyPr spcFirstLastPara="1" wrap="square" lIns="91425" tIns="91425" rIns="91425" bIns="91425" anchor="b" anchorCtr="0">
-            <a:normAutofit/>
-          </a:bodyPr>
-          <a:lstStyle/>
-          <a:p>
-            <a:pPr marL="0" lvl="0" indent="0" algn="ctr" rtl="0">
-              <a:spcBef>
-                <a:spcPts val="0"/>
-              </a:spcBef>
-              <a:spcAft>
-                <a:spcPts val="0"/>
-              </a:spcAft>
-              <a:buNone/>
-            </a:pPr>
-            <a:endParaRPr dirty="0"/>
-          </a:p>
-        </p:txBody>
-      </p:sp>
-      <p:sp>
-        <p:nvSpPr>
-          <p:cNvPr id="96" name="Google Shape;96;p19"/>
-          <p:cNvSpPr txBox="1">
-            <a:spLocks noGrp="1"/>
-          </p:cNvSpPr>
-          <p:nvPr>
-            <p:ph type="subTitle" idx="1"/>
-          </p:nvPr>
-        </p:nvSpPr>
-        <p:spPr>
-          <a:xfrm>
-            <a:off x="311700" y="2834125"/>
-            <a:ext cx="8520600" cy="792600"/>
-          </a:xfrm>
-          <a:prstGeom prst="rect">
-            <a:avLst/>
-          </a:prstGeom>
-        </p:spPr>
-        <p:txBody>
-          <a:bodyPr spcFirstLastPara="1" wrap="square" lIns="91425" tIns="91425" rIns="91425" bIns="91425" anchor="t" anchorCtr="0">
-            <a:normAutofit/>
-          </a:bodyPr>
-          <a:lstStyle/>
-          <a:p>
-            <a:pPr marL="0" lvl="0" indent="0" algn="ctr" rtl="0">
-              <a:spcBef>
-                <a:spcPts val="0"/>
-              </a:spcBef>
-              <a:spcAft>
-                <a:spcPts val="0"/>
-              </a:spcAft>
-              <a:buNone/>
-            </a:pPr>
-            <a:endParaRPr dirty="0"/>
-          </a:p>
-        </p:txBody>
-      </p:sp>
-      <p:pic>
-        <p:nvPicPr>
-          <p:cNvPr id="97" name="Google Shape;97;p19"/>
-          <p:cNvPicPr preferRelativeResize="0"/>
-          <p:nvPr/>
-        </p:nvPicPr>
-        <p:blipFill rotWithShape="1">
-          <a:blip r:embed="rId3">
-            <a:alphaModFix/>
-          </a:blip>
-          <a:srcRect/>
-          <a:stretch/>
-        </p:blipFill>
-        <p:spPr>
-          <a:xfrm>
-            <a:off x="0" y="0"/>
-            <a:ext cx="9144000" cy="5143500"/>
-          </a:xfrm>
-          <a:prstGeom prst="rect">
-            <a:avLst/>
-          </a:prstGeom>
-          <a:noFill/>
-          <a:ln>
-            <a:noFill/>
-          </a:ln>
-        </p:spPr>
-      </p:pic>
-      <p:sp>
-        <p:nvSpPr>
-          <p:cNvPr id="98" name="Google Shape;98;p19"/>
-          <p:cNvSpPr txBox="1"/>
-          <p:nvPr/>
-        </p:nvSpPr>
-        <p:spPr>
-          <a:xfrm>
-            <a:off x="207700" y="879650"/>
-            <a:ext cx="8723100" cy="598800"/>
-          </a:xfrm>
-          <a:prstGeom prst="rect">
-            <a:avLst/>
-          </a:prstGeom>
-          <a:noFill/>
-          <a:ln>
-            <a:noFill/>
-          </a:ln>
-        </p:spPr>
-        <p:txBody>
-          <a:bodyPr spcFirstLastPara="1" wrap="square" lIns="91425" tIns="91425" rIns="91425" bIns="91425" anchor="t" anchorCtr="0">
-            <a:noAutofit/>
-          </a:bodyPr>
-          <a:lstStyle/>
-          <a:p>
-            <a:pPr marL="0" lvl="0" indent="0" algn="l" rtl="0">
-              <a:spcBef>
-                <a:spcPts val="0"/>
-              </a:spcBef>
-              <a:spcAft>
-                <a:spcPts val="0"/>
-              </a:spcAft>
-              <a:buNone/>
-            </a:pPr>
-            <a:r>
-              <a:rPr lang="en-GB" sz="1800" dirty="0">
-                <a:latin typeface="Google Sans"/>
-                <a:ea typeface="Google Sans"/>
-                <a:cs typeface="Google Sans"/>
-                <a:sym typeface="Google Sans"/>
-              </a:rPr>
-              <a:t>Wireframes/Mock diagrams of the proposed solution (optional)</a:t>
-            </a:r>
-            <a:endParaRPr sz="1800" dirty="0">
-              <a:latin typeface="Google Sans"/>
-              <a:ea typeface="Google Sans"/>
-              <a:cs typeface="Google Sans"/>
-              <a:sym typeface="Google Sans"/>
-            </a:endParaRPr>
-          </a:p>
-        </p:txBody>
-      </p:sp>
-    </p:spTree>
-  </p:cSld>
-  <p:clrMapOvr>
-    <a:masterClrMapping/>
-  </p:clrMapOvr>
-</p:sld>
-</file>
-
-<file path=ppt/slides/slide8.xml><?xml version="1.0" encoding="utf-8"?>
 <p:sld xmlns:a="http://schemas.openxmlformats.org/drawingml/2006/main" xmlns:r="http://schemas.openxmlformats.org/officeDocument/2006/relationships" xmlns:p="http://schemas.openxmlformats.org/presentationml/2006/main">
   <p:cSld>
     <p:spTree>
@@ -10580,6 +9692,36 @@
           </a:ln>
         </p:spPr>
       </p:pic>
+      <p:pic>
+        <p:nvPicPr>
+          <p:cNvPr id="3" name="Picture 2">
+            <a:extLst>
+              <a:ext uri="{FF2B5EF4-FFF2-40B4-BE49-F238E27FC236}">
+                <a16:creationId xmlns:a16="http://schemas.microsoft.com/office/drawing/2014/main" id="{9E3CE324-030B-CBE0-20B6-E9F2251DA2F0}"/>
+              </a:ext>
+            </a:extLst>
+          </p:cNvPr>
+          <p:cNvPicPr>
+            <a:picLocks noChangeAspect="1"/>
+          </p:cNvPicPr>
+          <p:nvPr/>
+        </p:nvPicPr>
+        <p:blipFill>
+          <a:blip r:embed="rId4"/>
+          <a:stretch>
+            <a:fillRect/>
+          </a:stretch>
+        </p:blipFill>
+        <p:spPr>
+          <a:xfrm>
+            <a:off x="691377" y="514521"/>
+            <a:ext cx="7820722" cy="4628979"/>
+          </a:xfrm>
+          <a:prstGeom prst="rect">
+            <a:avLst/>
+          </a:prstGeom>
+        </p:spPr>
+      </p:pic>
       <p:sp>
         <p:nvSpPr>
           <p:cNvPr id="106" name="Google Shape;106;p20"/>
@@ -10588,7 +9730,7 @@
         </p:nvSpPr>
         <p:spPr>
           <a:xfrm>
-            <a:off x="171050" y="867425"/>
+            <a:off x="161550" y="514521"/>
             <a:ext cx="8820900" cy="598800"/>
           </a:xfrm>
           <a:prstGeom prst="rect">
@@ -10640,7 +9782,7 @@
 </p:sld>
 </file>
 
-<file path=ppt/slides/slide9.xml><?xml version="1.0" encoding="utf-8"?>
+<file path=ppt/slides/slide8.xml><?xml version="1.0" encoding="utf-8"?>
 <p:sld xmlns:a="http://schemas.openxmlformats.org/drawingml/2006/main" xmlns:r="http://schemas.openxmlformats.org/officeDocument/2006/relationships" xmlns:p="http://schemas.openxmlformats.org/presentationml/2006/main">
   <p:cSld>
     <p:spTree>
@@ -10768,7 +9910,7 @@
         </p:nvSpPr>
         <p:spPr>
           <a:xfrm>
-            <a:off x="158825" y="855225"/>
+            <a:off x="248035" y="865250"/>
             <a:ext cx="8784300" cy="452100"/>
           </a:xfrm>
           <a:prstGeom prst="rect">
@@ -10820,15 +9962,6 @@
               </a:spcAft>
               <a:buNone/>
             </a:pPr>
-            <a:r>
-              <a:rPr lang="en-GB" sz="1200" dirty="0">
-                <a:latin typeface="Google Sans"/>
-                <a:ea typeface="Google Sans"/>
-                <a:cs typeface="Google Sans"/>
-                <a:sym typeface="Google Sans"/>
-              </a:rPr>
-              <a:t>(Additional points for those who are:</a:t>
-            </a:r>
             <a:endParaRPr sz="1200" dirty="0">
               <a:latin typeface="Google Sans"/>
               <a:ea typeface="Google Sans"/>
@@ -10836,64 +9969,437 @@
               <a:sym typeface="Google Sans"/>
             </a:endParaRPr>
           </a:p>
-          <a:p>
-            <a:pPr marL="457200" lvl="0" indent="-304800" algn="l" rtl="0">
-              <a:spcBef>
-                <a:spcPts val="0"/>
-              </a:spcBef>
-              <a:spcAft>
-                <a:spcPts val="0"/>
-              </a:spcAft>
-              <a:buSzPts val="1200"/>
-              <a:buFont typeface="Google Sans"/>
-              <a:buChar char="-"/>
+        </p:txBody>
+      </p:sp>
+      <p:sp>
+        <p:nvSpPr>
+          <p:cNvPr id="2" name="TextBox 1">
+            <a:extLst>
+              <a:ext uri="{FF2B5EF4-FFF2-40B4-BE49-F238E27FC236}">
+                <a16:creationId xmlns:a16="http://schemas.microsoft.com/office/drawing/2014/main" id="{3D169E24-448E-1982-B138-49CC4BC283CE}"/>
+              </a:ext>
+            </a:extLst>
+          </p:cNvPr>
+          <p:cNvSpPr txBox="1"/>
+          <p:nvPr/>
+        </p:nvSpPr>
+        <p:spPr>
+          <a:xfrm>
+            <a:off x="535259" y="1294981"/>
+            <a:ext cx="4439036" cy="2246769"/>
+          </a:xfrm>
+          <a:prstGeom prst="rect">
+            <a:avLst/>
+          </a:prstGeom>
+          <a:noFill/>
+        </p:spPr>
+        <p:txBody>
+          <a:bodyPr wrap="none" rtlCol="0">
+            <a:spAutoFit/>
+          </a:bodyPr>
+          <a:lstStyle/>
+          <a:p>
+            <a:pPr marL="285750" indent="-285750">
+              <a:buFont typeface="Arial" panose="020B0604020202020204" pitchFamily="34" charset="0"/>
+              <a:buChar char="•"/>
             </a:pPr>
             <a:r>
-              <a:rPr lang="en-GB" sz="1200" dirty="0">
+              <a:rPr lang="en-IN" sz="2000" dirty="0">
+                <a:latin typeface="Google Sans" panose="020B0604020202020204" charset="0"/>
+                <a:ea typeface="Google Sans" panose="020B0604020202020204" charset="0"/>
+                <a:cs typeface="Google Sans" panose="020B0604020202020204" charset="0"/>
+              </a:rPr>
+              <a:t>HTML,CSS(Frontend)</a:t>
+            </a:r>
+          </a:p>
+          <a:p>
+            <a:pPr marL="285750" indent="-285750">
+              <a:buFont typeface="Arial" panose="020B0604020202020204" pitchFamily="34" charset="0"/>
+              <a:buChar char="•"/>
+            </a:pPr>
+            <a:r>
+              <a:rPr lang="en-IN" sz="2000" dirty="0">
+                <a:latin typeface="Google Sans" panose="020B0604020202020204" charset="0"/>
+                <a:ea typeface="Google Sans" panose="020B0604020202020204" charset="0"/>
+                <a:cs typeface="Google Sans" panose="020B0604020202020204" charset="0"/>
+              </a:rPr>
+              <a:t>Machine Learning</a:t>
+            </a:r>
+          </a:p>
+          <a:p>
+            <a:pPr marL="285750" indent="-285750">
+              <a:buFont typeface="Arial" panose="020B0604020202020204" pitchFamily="34" charset="0"/>
+              <a:buChar char="•"/>
+            </a:pPr>
+            <a:r>
+              <a:rPr lang="en-IN" sz="2000" dirty="0" err="1">
+                <a:latin typeface="Google Sans" panose="020B0604020202020204" charset="0"/>
+                <a:ea typeface="Google Sans" panose="020B0604020202020204" charset="0"/>
+                <a:cs typeface="Google Sans" panose="020B0604020202020204" charset="0"/>
+              </a:rPr>
+              <a:t>MongoDB,JAVASCRIPT</a:t>
+            </a:r>
+            <a:r>
+              <a:rPr lang="en-IN" sz="2000" dirty="0">
+                <a:latin typeface="Google Sans" panose="020B0604020202020204" charset="0"/>
+                <a:ea typeface="Google Sans" panose="020B0604020202020204" charset="0"/>
+                <a:cs typeface="Google Sans" panose="020B0604020202020204" charset="0"/>
+              </a:rPr>
+              <a:t>(Backend)</a:t>
+            </a:r>
+          </a:p>
+          <a:p>
+            <a:pPr marL="285750" indent="-285750">
+              <a:buFont typeface="Arial" panose="020B0604020202020204" pitchFamily="34" charset="0"/>
+              <a:buChar char="•"/>
+            </a:pPr>
+            <a:r>
+              <a:rPr lang="en-IN" sz="2000" dirty="0">
+                <a:latin typeface="Google Sans" panose="020B0604020202020204" charset="0"/>
+                <a:ea typeface="Google Sans" panose="020B0604020202020204" charset="0"/>
+                <a:cs typeface="Google Sans" panose="020B0604020202020204" charset="0"/>
+              </a:rPr>
+              <a:t>Weather API(OpenWeather.com)</a:t>
+            </a:r>
+          </a:p>
+          <a:p>
+            <a:pPr marL="285750" indent="-285750">
+              <a:buFont typeface="Arial" panose="020B0604020202020204" pitchFamily="34" charset="0"/>
+              <a:buChar char="•"/>
+            </a:pPr>
+            <a:r>
+              <a:rPr lang="en-IN" sz="2000" dirty="0">
+                <a:latin typeface="Google Sans" panose="020B0604020202020204" charset="0"/>
+                <a:ea typeface="Google Sans" panose="020B0604020202020204" charset="0"/>
+                <a:cs typeface="Google Sans" panose="020B0604020202020204" charset="0"/>
+              </a:rPr>
+              <a:t>Soil API(AgroMonitoring.com)</a:t>
+            </a:r>
+          </a:p>
+          <a:p>
+            <a:pPr marL="285750" indent="-285750">
+              <a:buFont typeface="Arial" panose="020B0604020202020204" pitchFamily="34" charset="0"/>
+              <a:buChar char="•"/>
+            </a:pPr>
+            <a:endParaRPr lang="en-IN" sz="2000" dirty="0">
+              <a:latin typeface="Google Sans" panose="020B0604020202020204" charset="0"/>
+              <a:ea typeface="Google Sans" panose="020B0604020202020204" charset="0"/>
+              <a:cs typeface="Google Sans" panose="020B0604020202020204" charset="0"/>
+            </a:endParaRPr>
+          </a:p>
+          <a:p>
+            <a:pPr marL="285750" indent="-285750">
+              <a:buFont typeface="Arial" panose="020B0604020202020204" pitchFamily="34" charset="0"/>
+              <a:buChar char="•"/>
+            </a:pPr>
+            <a:endParaRPr lang="en-IN" sz="2000" dirty="0">
+              <a:latin typeface="Google Sans" panose="020B0604020202020204" charset="0"/>
+              <a:ea typeface="Google Sans" panose="020B0604020202020204" charset="0"/>
+              <a:cs typeface="Google Sans" panose="020B0604020202020204" charset="0"/>
+            </a:endParaRPr>
+          </a:p>
+        </p:txBody>
+      </p:sp>
+    </p:spTree>
+  </p:cSld>
+  <p:clrMapOvr>
+    <a:masterClrMapping/>
+  </p:clrMapOvr>
+</p:sld>
+</file>
+
+<file path=ppt/slides/slide9.xml><?xml version="1.0" encoding="utf-8"?>
+<p:sld xmlns:a="http://schemas.openxmlformats.org/drawingml/2006/main" xmlns:r="http://schemas.openxmlformats.org/officeDocument/2006/relationships" xmlns:p="http://schemas.openxmlformats.org/presentationml/2006/main">
+  <p:cSld>
+    <p:spTree>
+      <p:nvGrpSpPr>
+        <p:cNvPr id="1" name="Shape 126"/>
+        <p:cNvGrpSpPr/>
+        <p:nvPr/>
+      </p:nvGrpSpPr>
+      <p:grpSpPr>
+        <a:xfrm>
+          <a:off x="0" y="0"/>
+          <a:ext cx="0" cy="0"/>
+          <a:chOff x="0" y="0"/>
+          <a:chExt cx="0" cy="0"/>
+        </a:xfrm>
+      </p:grpSpPr>
+      <p:sp>
+        <p:nvSpPr>
+          <p:cNvPr id="127" name="Google Shape;127;p23"/>
+          <p:cNvSpPr txBox="1">
+            <a:spLocks noGrp="1"/>
+          </p:cNvSpPr>
+          <p:nvPr>
+            <p:ph type="ctrTitle"/>
+          </p:nvPr>
+        </p:nvSpPr>
+        <p:spPr>
+          <a:xfrm>
+            <a:off x="311708" y="744575"/>
+            <a:ext cx="8520600" cy="2052600"/>
+          </a:xfrm>
+          <a:prstGeom prst="rect">
+            <a:avLst/>
+          </a:prstGeom>
+        </p:spPr>
+        <p:txBody>
+          <a:bodyPr spcFirstLastPara="1" wrap="square" lIns="91425" tIns="91425" rIns="91425" bIns="91425" anchor="b" anchorCtr="0">
+            <a:normAutofit/>
+          </a:bodyPr>
+          <a:lstStyle/>
+          <a:p>
+            <a:pPr marL="0" lvl="0" indent="0" algn="ctr" rtl="0">
+              <a:spcBef>
+                <a:spcPts val="0"/>
+              </a:spcBef>
+              <a:spcAft>
+                <a:spcPts val="0"/>
+              </a:spcAft>
+              <a:buNone/>
+            </a:pPr>
+            <a:endParaRPr dirty="0"/>
+          </a:p>
+        </p:txBody>
+      </p:sp>
+      <p:sp>
+        <p:nvSpPr>
+          <p:cNvPr id="128" name="Google Shape;128;p23"/>
+          <p:cNvSpPr txBox="1">
+            <a:spLocks noGrp="1"/>
+          </p:cNvSpPr>
+          <p:nvPr>
+            <p:ph type="subTitle" idx="1"/>
+          </p:nvPr>
+        </p:nvSpPr>
+        <p:spPr>
+          <a:xfrm>
+            <a:off x="311700" y="2834125"/>
+            <a:ext cx="8520600" cy="792600"/>
+          </a:xfrm>
+          <a:prstGeom prst="rect">
+            <a:avLst/>
+          </a:prstGeom>
+        </p:spPr>
+        <p:txBody>
+          <a:bodyPr spcFirstLastPara="1" wrap="square" lIns="91425" tIns="91425" rIns="91425" bIns="91425" anchor="t" anchorCtr="0">
+            <a:normAutofit/>
+          </a:bodyPr>
+          <a:lstStyle/>
+          <a:p>
+            <a:pPr marL="0" lvl="0" indent="0" algn="ctr" rtl="0">
+              <a:spcBef>
+                <a:spcPts val="0"/>
+              </a:spcBef>
+              <a:spcAft>
+                <a:spcPts val="0"/>
+              </a:spcAft>
+              <a:buNone/>
+            </a:pPr>
+            <a:endParaRPr dirty="0"/>
+          </a:p>
+        </p:txBody>
+      </p:sp>
+      <p:pic>
+        <p:nvPicPr>
+          <p:cNvPr id="129" name="Google Shape;129;p23"/>
+          <p:cNvPicPr preferRelativeResize="0"/>
+          <p:nvPr/>
+        </p:nvPicPr>
+        <p:blipFill rotWithShape="1">
+          <a:blip r:embed="rId3">
+            <a:alphaModFix/>
+          </a:blip>
+          <a:srcRect/>
+          <a:stretch/>
+        </p:blipFill>
+        <p:spPr>
+          <a:xfrm>
+            <a:off x="14326" y="0"/>
+            <a:ext cx="9144000" cy="5143500"/>
+          </a:xfrm>
+          <a:prstGeom prst="rect">
+            <a:avLst/>
+          </a:prstGeom>
+          <a:noFill/>
+          <a:ln>
+            <a:noFill/>
+          </a:ln>
+        </p:spPr>
+      </p:pic>
+      <p:sp>
+        <p:nvSpPr>
+          <p:cNvPr id="130" name="Google Shape;130;p23"/>
+          <p:cNvSpPr txBox="1"/>
+          <p:nvPr/>
+        </p:nvSpPr>
+        <p:spPr>
+          <a:xfrm>
+            <a:off x="311692" y="423140"/>
+            <a:ext cx="8723100" cy="598800"/>
+          </a:xfrm>
+          <a:prstGeom prst="rect">
+            <a:avLst/>
+          </a:prstGeom>
+          <a:noFill/>
+          <a:ln>
+            <a:noFill/>
+          </a:ln>
+        </p:spPr>
+        <p:txBody>
+          <a:bodyPr spcFirstLastPara="1" wrap="square" lIns="91425" tIns="91425" rIns="91425" bIns="91425" anchor="t" anchorCtr="0">
+            <a:noAutofit/>
+          </a:bodyPr>
+          <a:lstStyle/>
+          <a:p>
+            <a:pPr marL="0" lvl="0" indent="0" algn="l" rtl="0">
+              <a:spcBef>
+                <a:spcPts val="0"/>
+              </a:spcBef>
+              <a:spcAft>
+                <a:spcPts val="0"/>
+              </a:spcAft>
+              <a:buNone/>
+            </a:pPr>
+            <a:r>
+              <a:rPr lang="en-GB" sz="1800" dirty="0">
                 <a:latin typeface="Google Sans"/>
                 <a:ea typeface="Google Sans"/>
                 <a:cs typeface="Google Sans"/>
                 <a:sym typeface="Google Sans"/>
               </a:rPr>
-              <a:t>Building their project on IDX</a:t>
-            </a:r>
-            <a:endParaRPr sz="1200" dirty="0">
+              <a:t>Snapshots of the MVP</a:t>
+            </a:r>
+            <a:endParaRPr sz="1800" dirty="0">
               <a:latin typeface="Google Sans"/>
               <a:ea typeface="Google Sans"/>
               <a:cs typeface="Google Sans"/>
               <a:sym typeface="Google Sans"/>
             </a:endParaRPr>
           </a:p>
-          <a:p>
-            <a:pPr marL="457200" lvl="0" indent="-304800" algn="l" rtl="0">
-              <a:spcBef>
-                <a:spcPts val="0"/>
-              </a:spcBef>
-              <a:spcAft>
-                <a:spcPts val="0"/>
-              </a:spcAft>
-              <a:buSzPts val="1200"/>
-              <a:buFont typeface="Google Sans"/>
-              <a:buChar char="-"/>
-            </a:pPr>
-            <a:r>
-              <a:rPr lang="en-GB" sz="1200" dirty="0">
-                <a:latin typeface="Google Sans"/>
-                <a:ea typeface="Google Sans"/>
-                <a:cs typeface="Google Sans"/>
-                <a:sym typeface="Google Sans"/>
-              </a:rPr>
-              <a:t>Integrating Gemini APIs)</a:t>
-            </a:r>
-            <a:endParaRPr sz="1200" dirty="0">
-              <a:latin typeface="Google Sans"/>
-              <a:ea typeface="Google Sans"/>
-              <a:cs typeface="Google Sans"/>
-              <a:sym typeface="Google Sans"/>
-            </a:endParaRPr>
-          </a:p>
         </p:txBody>
       </p:sp>
+      <p:pic>
+        <p:nvPicPr>
+          <p:cNvPr id="3" name="Picture 2">
+            <a:extLst>
+              <a:ext uri="{FF2B5EF4-FFF2-40B4-BE49-F238E27FC236}">
+                <a16:creationId xmlns:a16="http://schemas.microsoft.com/office/drawing/2014/main" id="{5CB6535F-DACD-5B06-E478-E0F3468F5379}"/>
+              </a:ext>
+            </a:extLst>
+          </p:cNvPr>
+          <p:cNvPicPr>
+            <a:picLocks noChangeAspect="1"/>
+          </p:cNvPicPr>
+          <p:nvPr/>
+        </p:nvPicPr>
+        <p:blipFill>
+          <a:blip r:embed="rId4"/>
+          <a:stretch>
+            <a:fillRect/>
+          </a:stretch>
+        </p:blipFill>
+        <p:spPr>
+          <a:xfrm>
+            <a:off x="448701" y="856347"/>
+            <a:ext cx="3825933" cy="2052600"/>
+          </a:xfrm>
+          <a:prstGeom prst="rect">
+            <a:avLst/>
+          </a:prstGeom>
+        </p:spPr>
+      </p:pic>
+      <p:pic>
+        <p:nvPicPr>
+          <p:cNvPr id="7" name="Picture 6">
+            <a:extLst>
+              <a:ext uri="{FF2B5EF4-FFF2-40B4-BE49-F238E27FC236}">
+                <a16:creationId xmlns:a16="http://schemas.microsoft.com/office/drawing/2014/main" id="{1FA47EA8-229B-984A-490C-BECEFDC9049E}"/>
+              </a:ext>
+            </a:extLst>
+          </p:cNvPr>
+          <p:cNvPicPr>
+            <a:picLocks noChangeAspect="1"/>
+          </p:cNvPicPr>
+          <p:nvPr/>
+        </p:nvPicPr>
+        <p:blipFill>
+          <a:blip r:embed="rId5"/>
+          <a:stretch>
+            <a:fillRect/>
+          </a:stretch>
+        </p:blipFill>
+        <p:spPr>
+          <a:xfrm>
+            <a:off x="4709009" y="848858"/>
+            <a:ext cx="3795655" cy="1985267"/>
+          </a:xfrm>
+          <a:prstGeom prst="rect">
+            <a:avLst/>
+          </a:prstGeom>
+        </p:spPr>
+      </p:pic>
+      <p:pic>
+        <p:nvPicPr>
+          <p:cNvPr id="9" name="Picture 8">
+            <a:extLst>
+              <a:ext uri="{FF2B5EF4-FFF2-40B4-BE49-F238E27FC236}">
+                <a16:creationId xmlns:a16="http://schemas.microsoft.com/office/drawing/2014/main" id="{728EE67C-ED88-BEE8-CC5A-EBBDAC0EB72C}"/>
+              </a:ext>
+            </a:extLst>
+          </p:cNvPr>
+          <p:cNvPicPr>
+            <a:picLocks noChangeAspect="1"/>
+          </p:cNvPicPr>
+          <p:nvPr/>
+        </p:nvPicPr>
+        <p:blipFill>
+          <a:blip r:embed="rId6"/>
+          <a:stretch>
+            <a:fillRect/>
+          </a:stretch>
+        </p:blipFill>
+        <p:spPr>
+          <a:xfrm>
+            <a:off x="448701" y="3048606"/>
+            <a:ext cx="3825933" cy="1924000"/>
+          </a:xfrm>
+          <a:prstGeom prst="rect">
+            <a:avLst/>
+          </a:prstGeom>
+        </p:spPr>
+      </p:pic>
+      <p:pic>
+        <p:nvPicPr>
+          <p:cNvPr id="11" name="Picture 10">
+            <a:extLst>
+              <a:ext uri="{FF2B5EF4-FFF2-40B4-BE49-F238E27FC236}">
+                <a16:creationId xmlns:a16="http://schemas.microsoft.com/office/drawing/2014/main" id="{F3796D49-F6CF-4569-E57D-29BC13B8C40A}"/>
+              </a:ext>
+            </a:extLst>
+          </p:cNvPr>
+          <p:cNvPicPr>
+            <a:picLocks noChangeAspect="1"/>
+          </p:cNvPicPr>
+          <p:nvPr/>
+        </p:nvPicPr>
+        <p:blipFill>
+          <a:blip r:embed="rId7"/>
+          <a:stretch>
+            <a:fillRect/>
+          </a:stretch>
+        </p:blipFill>
+        <p:spPr>
+          <a:xfrm>
+            <a:off x="4709008" y="3090898"/>
+            <a:ext cx="3795655" cy="1865231"/>
+          </a:xfrm>
+          <a:prstGeom prst="rect">
+            <a:avLst/>
+          </a:prstGeom>
+        </p:spPr>
+      </p:pic>
     </p:spTree>
   </p:cSld>
   <p:clrMapOvr>

--- a/Solution Challenge _ Project Submission.pptx
+++ b/Solution Challenge _ Project Submission.pptx
@@ -5,38 +5,37 @@
     <p:sldMasterId id="2147483659" r:id="rId1"/>
   </p:sldMasterIdLst>
   <p:notesMasterIdLst>
-    <p:notesMasterId r:id="rId14"/>
+    <p:notesMasterId r:id="rId13"/>
   </p:notesMasterIdLst>
   <p:sldIdLst>
-    <p:sldId id="256" r:id="rId2"/>
-    <p:sldId id="257" r:id="rId3"/>
-    <p:sldId id="258" r:id="rId4"/>
-    <p:sldId id="259" r:id="rId5"/>
-    <p:sldId id="260" r:id="rId6"/>
-    <p:sldId id="261" r:id="rId7"/>
-    <p:sldId id="263" r:id="rId8"/>
-    <p:sldId id="264" r:id="rId9"/>
-    <p:sldId id="266" r:id="rId10"/>
-    <p:sldId id="267" r:id="rId11"/>
-    <p:sldId id="268" r:id="rId12"/>
-    <p:sldId id="270" r:id="rId13"/>
+    <p:sldId id="257" r:id="rId2"/>
+    <p:sldId id="258" r:id="rId3"/>
+    <p:sldId id="259" r:id="rId4"/>
+    <p:sldId id="260" r:id="rId5"/>
+    <p:sldId id="261" r:id="rId6"/>
+    <p:sldId id="263" r:id="rId7"/>
+    <p:sldId id="264" r:id="rId8"/>
+    <p:sldId id="266" r:id="rId9"/>
+    <p:sldId id="267" r:id="rId10"/>
+    <p:sldId id="268" r:id="rId11"/>
+    <p:sldId id="270" r:id="rId12"/>
   </p:sldIdLst>
   <p:sldSz cx="9144000" cy="5143500" type="screen16x9"/>
   <p:notesSz cx="6858000" cy="9144000"/>
   <p:embeddedFontLst>
     <p:embeddedFont>
       <p:font typeface="Google Sans" panose="020B0604020202020204" charset="0"/>
-      <p:regular r:id="rId15"/>
-      <p:bold r:id="rId16"/>
-      <p:italic r:id="rId17"/>
-      <p:boldItalic r:id="rId18"/>
+      <p:regular r:id="rId14"/>
+      <p:bold r:id="rId15"/>
+      <p:italic r:id="rId16"/>
+      <p:boldItalic r:id="rId17"/>
     </p:embeddedFont>
     <p:embeddedFont>
       <p:font typeface="Open Sans" panose="020B0606030504020204" pitchFamily="34" charset="0"/>
-      <p:regular r:id="rId19"/>
-      <p:bold r:id="rId20"/>
-      <p:italic r:id="rId21"/>
-      <p:boldItalic r:id="rId22"/>
+      <p:regular r:id="rId18"/>
+      <p:bold r:id="rId19"/>
+      <p:italic r:id="rId20"/>
+      <p:boldItalic r:id="rId21"/>
     </p:embeddedFont>
   </p:embeddedFontLst>
   <p:defaultTextStyle>
@@ -733,7 +732,7 @@
   <p:cSld>
     <p:spTree>
       <p:nvGrpSpPr>
-        <p:cNvPr id="1" name="Shape 50"/>
+        <p:cNvPr id="1" name="Shape 57"/>
         <p:cNvGrpSpPr/>
         <p:nvPr/>
       </p:nvGrpSpPr>
@@ -747,111 +746,7 @@
       </p:grpSpPr>
       <p:sp>
         <p:nvSpPr>
-          <p:cNvPr id="51" name="Google Shape;51;g31ef99d2c91_0_1:notes"/>
-          <p:cNvSpPr>
-            <a:spLocks noGrp="1" noRot="1" noChangeAspect="1"/>
-          </p:cNvSpPr>
-          <p:nvPr>
-            <p:ph type="sldImg" idx="2"/>
-          </p:nvPr>
-        </p:nvSpPr>
-        <p:spPr>
-          <a:xfrm>
-            <a:off x="381300" y="685800"/>
-            <a:ext cx="6096000" cy="3429000"/>
-          </a:xfrm>
-          <a:custGeom>
-            <a:avLst/>
-            <a:gdLst/>
-            <a:ahLst/>
-            <a:cxnLst/>
-            <a:rect l="l" t="t" r="r" b="b"/>
-            <a:pathLst>
-              <a:path w="120000" h="120000" extrusionOk="0">
-                <a:moveTo>
-                  <a:pt x="0" y="0"/>
-                </a:moveTo>
-                <a:lnTo>
-                  <a:pt x="120000" y="0"/>
-                </a:lnTo>
-                <a:lnTo>
-                  <a:pt x="120000" y="120000"/>
-                </a:lnTo>
-                <a:lnTo>
-                  <a:pt x="0" y="120000"/>
-                </a:lnTo>
-                <a:close/>
-              </a:path>
-            </a:pathLst>
-          </a:custGeom>
-        </p:spPr>
-      </p:sp>
-      <p:sp>
-        <p:nvSpPr>
-          <p:cNvPr id="52" name="Google Shape;52;g31ef99d2c91_0_1:notes"/>
-          <p:cNvSpPr txBox="1">
-            <a:spLocks noGrp="1"/>
-          </p:cNvSpPr>
-          <p:nvPr>
-            <p:ph type="body" idx="1"/>
-          </p:nvPr>
-        </p:nvSpPr>
-        <p:spPr>
-          <a:xfrm>
-            <a:off x="685800" y="4343400"/>
-            <a:ext cx="5486400" cy="4114800"/>
-          </a:xfrm>
-          <a:prstGeom prst="rect">
-            <a:avLst/>
-          </a:prstGeom>
-        </p:spPr>
-        <p:txBody>
-          <a:bodyPr spcFirstLastPara="1" wrap="square" lIns="91425" tIns="91425" rIns="91425" bIns="91425" anchor="t" anchorCtr="0">
-            <a:noAutofit/>
-          </a:bodyPr>
-          <a:lstStyle/>
-          <a:p>
-            <a:pPr marL="0" lvl="0" indent="0" algn="l" rtl="0">
-              <a:spcBef>
-                <a:spcPts val="0"/>
-              </a:spcBef>
-              <a:spcAft>
-                <a:spcPts val="0"/>
-              </a:spcAft>
-              <a:buNone/>
-            </a:pPr>
-            <a:endParaRPr dirty="0"/>
-          </a:p>
-        </p:txBody>
-      </p:sp>
-    </p:spTree>
-  </p:cSld>
-  <p:clrMapOvr>
-    <a:masterClrMapping/>
-  </p:clrMapOvr>
-</p:notes>
-</file>
-
-<file path=ppt/notesSlides/notesSlide10.xml><?xml version="1.0" encoding="utf-8"?>
-<p:notes xmlns:a="http://schemas.openxmlformats.org/drawingml/2006/main" xmlns:r="http://schemas.openxmlformats.org/officeDocument/2006/relationships" xmlns:p="http://schemas.openxmlformats.org/presentationml/2006/main" showMasterSp="0" showMasterPhAnim="0">
-  <p:cSld>
-    <p:spTree>
-      <p:nvGrpSpPr>
-        <p:cNvPr id="1" name="Shape 131"/>
-        <p:cNvGrpSpPr/>
-        <p:nvPr/>
-      </p:nvGrpSpPr>
-      <p:grpSpPr>
-        <a:xfrm>
-          <a:off x="0" y="0"/>
-          <a:ext cx="0" cy="0"/>
-          <a:chOff x="0" y="0"/>
-          <a:chExt cx="0" cy="0"/>
-        </a:xfrm>
-      </p:grpSpPr>
-      <p:sp>
-        <p:nvSpPr>
-          <p:cNvPr id="132" name="Google Shape;132;g31ef99d2c91_0_67:notes"/>
+          <p:cNvPr id="58" name="Google Shape;58;p:notes"/>
           <p:cNvSpPr>
             <a:spLocks noGrp="1" noRot="1" noChangeAspect="1"/>
           </p:cNvSpPr>
@@ -892,7 +787,7 @@
       </p:sp>
       <p:sp>
         <p:nvSpPr>
-          <p:cNvPr id="133" name="Google Shape;133;g31ef99d2c91_0_67:notes"/>
+          <p:cNvPr id="59" name="Google Shape;59;p:notes"/>
           <p:cNvSpPr txBox="1">
             <a:spLocks noGrp="1"/>
           </p:cNvSpPr>
@@ -936,7 +831,7 @@
 </p:notes>
 </file>
 
-<file path=ppt/notesSlides/notesSlide11.xml><?xml version="1.0" encoding="utf-8"?>
+<file path=ppt/notesSlides/notesSlide10.xml><?xml version="1.0" encoding="utf-8"?>
 <p:notes xmlns:a="http://schemas.openxmlformats.org/drawingml/2006/main" xmlns:r="http://schemas.openxmlformats.org/officeDocument/2006/relationships" xmlns:p="http://schemas.openxmlformats.org/presentationml/2006/main" showMasterSp="0" showMasterPhAnim="0">
   <p:cSld>
     <p:spTree>
@@ -1040,7 +935,7 @@
 </p:notes>
 </file>
 
-<file path=ppt/notesSlides/notesSlide12.xml><?xml version="1.0" encoding="utf-8"?>
+<file path=ppt/notesSlides/notesSlide11.xml><?xml version="1.0" encoding="utf-8"?>
 <p:notes xmlns:a="http://schemas.openxmlformats.org/drawingml/2006/main" xmlns:r="http://schemas.openxmlformats.org/officeDocument/2006/relationships" xmlns:p="http://schemas.openxmlformats.org/presentationml/2006/main" showMasterSp="0" showMasterPhAnim="0">
   <p:cSld>
     <p:spTree>
@@ -1149,110 +1044,6 @@
   <p:cSld>
     <p:spTree>
       <p:nvGrpSpPr>
-        <p:cNvPr id="1" name="Shape 57"/>
-        <p:cNvGrpSpPr/>
-        <p:nvPr/>
-      </p:nvGrpSpPr>
-      <p:grpSpPr>
-        <a:xfrm>
-          <a:off x="0" y="0"/>
-          <a:ext cx="0" cy="0"/>
-          <a:chOff x="0" y="0"/>
-          <a:chExt cx="0" cy="0"/>
-        </a:xfrm>
-      </p:grpSpPr>
-      <p:sp>
-        <p:nvSpPr>
-          <p:cNvPr id="58" name="Google Shape;58;p:notes"/>
-          <p:cNvSpPr>
-            <a:spLocks noGrp="1" noRot="1" noChangeAspect="1"/>
-          </p:cNvSpPr>
-          <p:nvPr>
-            <p:ph type="sldImg" idx="2"/>
-          </p:nvPr>
-        </p:nvSpPr>
-        <p:spPr>
-          <a:xfrm>
-            <a:off x="381000" y="685800"/>
-            <a:ext cx="6096000" cy="3429000"/>
-          </a:xfrm>
-          <a:custGeom>
-            <a:avLst/>
-            <a:gdLst/>
-            <a:ahLst/>
-            <a:cxnLst/>
-            <a:rect l="l" t="t" r="r" b="b"/>
-            <a:pathLst>
-              <a:path w="120000" h="120000" extrusionOk="0">
-                <a:moveTo>
-                  <a:pt x="0" y="0"/>
-                </a:moveTo>
-                <a:lnTo>
-                  <a:pt x="120000" y="0"/>
-                </a:lnTo>
-                <a:lnTo>
-                  <a:pt x="120000" y="120000"/>
-                </a:lnTo>
-                <a:lnTo>
-                  <a:pt x="0" y="120000"/>
-                </a:lnTo>
-                <a:close/>
-              </a:path>
-            </a:pathLst>
-          </a:custGeom>
-        </p:spPr>
-      </p:sp>
-      <p:sp>
-        <p:nvSpPr>
-          <p:cNvPr id="59" name="Google Shape;59;p:notes"/>
-          <p:cNvSpPr txBox="1">
-            <a:spLocks noGrp="1"/>
-          </p:cNvSpPr>
-          <p:nvPr>
-            <p:ph type="body" idx="1"/>
-          </p:nvPr>
-        </p:nvSpPr>
-        <p:spPr>
-          <a:xfrm>
-            <a:off x="685800" y="4343400"/>
-            <a:ext cx="5486400" cy="4114800"/>
-          </a:xfrm>
-          <a:prstGeom prst="rect">
-            <a:avLst/>
-          </a:prstGeom>
-        </p:spPr>
-        <p:txBody>
-          <a:bodyPr spcFirstLastPara="1" wrap="square" lIns="91425" tIns="91425" rIns="91425" bIns="91425" anchor="t" anchorCtr="0">
-            <a:noAutofit/>
-          </a:bodyPr>
-          <a:lstStyle/>
-          <a:p>
-            <a:pPr marL="0" lvl="0" indent="0" algn="l" rtl="0">
-              <a:spcBef>
-                <a:spcPts val="0"/>
-              </a:spcBef>
-              <a:spcAft>
-                <a:spcPts val="0"/>
-              </a:spcAft>
-              <a:buNone/>
-            </a:pPr>
-            <a:endParaRPr dirty="0"/>
-          </a:p>
-        </p:txBody>
-      </p:sp>
-    </p:spTree>
-  </p:cSld>
-  <p:clrMapOvr>
-    <a:masterClrMapping/>
-  </p:clrMapOvr>
-</p:notes>
-</file>
-
-<file path=ppt/notesSlides/notesSlide3.xml><?xml version="1.0" encoding="utf-8"?>
-<p:notes xmlns:a="http://schemas.openxmlformats.org/drawingml/2006/main" xmlns:r="http://schemas.openxmlformats.org/officeDocument/2006/relationships" xmlns:p="http://schemas.openxmlformats.org/presentationml/2006/main" showMasterSp="0" showMasterPhAnim="0">
-  <p:cSld>
-    <p:spTree>
-      <p:nvGrpSpPr>
         <p:cNvPr id="1" name="Shape 65"/>
         <p:cNvGrpSpPr/>
         <p:nvPr/>
@@ -1352,7 +1143,7 @@
 </p:notes>
 </file>
 
-<file path=ppt/notesSlides/notesSlide4.xml><?xml version="1.0" encoding="utf-8"?>
+<file path=ppt/notesSlides/notesSlide3.xml><?xml version="1.0" encoding="utf-8"?>
 <p:notes xmlns:a="http://schemas.openxmlformats.org/drawingml/2006/main" xmlns:r="http://schemas.openxmlformats.org/officeDocument/2006/relationships" xmlns:p="http://schemas.openxmlformats.org/presentationml/2006/main" showMasterSp="0" showMasterPhAnim="0">
   <p:cSld>
     <p:spTree>
@@ -1456,7 +1247,7 @@
 </p:notes>
 </file>
 
-<file path=ppt/notesSlides/notesSlide5.xml><?xml version="1.0" encoding="utf-8"?>
+<file path=ppt/notesSlides/notesSlide4.xml><?xml version="1.0" encoding="utf-8"?>
 <p:notes xmlns:a="http://schemas.openxmlformats.org/drawingml/2006/main" xmlns:r="http://schemas.openxmlformats.org/officeDocument/2006/relationships" xmlns:p="http://schemas.openxmlformats.org/presentationml/2006/main" showMasterSp="0" showMasterPhAnim="0">
   <p:cSld>
     <p:spTree>
@@ -1560,7 +1351,7 @@
 </p:notes>
 </file>
 
-<file path=ppt/notesSlides/notesSlide6.xml><?xml version="1.0" encoding="utf-8"?>
+<file path=ppt/notesSlides/notesSlide5.xml><?xml version="1.0" encoding="utf-8"?>
 <p:notes xmlns:a="http://schemas.openxmlformats.org/drawingml/2006/main" xmlns:r="http://schemas.openxmlformats.org/officeDocument/2006/relationships" xmlns:p="http://schemas.openxmlformats.org/presentationml/2006/main" showMasterSp="0" showMasterPhAnim="0">
   <p:cSld>
     <p:spTree>
@@ -1664,7 +1455,7 @@
 </p:notes>
 </file>
 
-<file path=ppt/notesSlides/notesSlide7.xml><?xml version="1.0" encoding="utf-8"?>
+<file path=ppt/notesSlides/notesSlide6.xml><?xml version="1.0" encoding="utf-8"?>
 <p:notes xmlns:a="http://schemas.openxmlformats.org/drawingml/2006/main" xmlns:r="http://schemas.openxmlformats.org/officeDocument/2006/relationships" xmlns:p="http://schemas.openxmlformats.org/presentationml/2006/main" showMasterSp="0" showMasterPhAnim="0">
   <p:cSld>
     <p:spTree>
@@ -1768,7 +1559,7 @@
 </p:notes>
 </file>
 
-<file path=ppt/notesSlides/notesSlide8.xml><?xml version="1.0" encoding="utf-8"?>
+<file path=ppt/notesSlides/notesSlide7.xml><?xml version="1.0" encoding="utf-8"?>
 <p:notes xmlns:a="http://schemas.openxmlformats.org/drawingml/2006/main" xmlns:r="http://schemas.openxmlformats.org/officeDocument/2006/relationships" xmlns:p="http://schemas.openxmlformats.org/presentationml/2006/main" showMasterSp="0" showMasterPhAnim="0">
   <p:cSld>
     <p:spTree>
@@ -1872,7 +1663,7 @@
 </p:notes>
 </file>
 
-<file path=ppt/notesSlides/notesSlide9.xml><?xml version="1.0" encoding="utf-8"?>
+<file path=ppt/notesSlides/notesSlide8.xml><?xml version="1.0" encoding="utf-8"?>
 <p:notes xmlns:a="http://schemas.openxmlformats.org/drawingml/2006/main" xmlns:r="http://schemas.openxmlformats.org/officeDocument/2006/relationships" xmlns:p="http://schemas.openxmlformats.org/presentationml/2006/main" showMasterSp="0" showMasterPhAnim="0">
   <p:cSld>
     <p:spTree>
@@ -1933,6 +1724,110 @@
       <p:sp>
         <p:nvSpPr>
           <p:cNvPr id="125" name="Google Shape;125;g31ef99d2c91_0_55:notes"/>
+          <p:cNvSpPr txBox="1">
+            <a:spLocks noGrp="1"/>
+          </p:cNvSpPr>
+          <p:nvPr>
+            <p:ph type="body" idx="1"/>
+          </p:nvPr>
+        </p:nvSpPr>
+        <p:spPr>
+          <a:xfrm>
+            <a:off x="685800" y="4343400"/>
+            <a:ext cx="5486400" cy="4114800"/>
+          </a:xfrm>
+          <a:prstGeom prst="rect">
+            <a:avLst/>
+          </a:prstGeom>
+        </p:spPr>
+        <p:txBody>
+          <a:bodyPr spcFirstLastPara="1" wrap="square" lIns="91425" tIns="91425" rIns="91425" bIns="91425" anchor="t" anchorCtr="0">
+            <a:noAutofit/>
+          </a:bodyPr>
+          <a:lstStyle/>
+          <a:p>
+            <a:pPr marL="0" lvl="0" indent="0" algn="l" rtl="0">
+              <a:spcBef>
+                <a:spcPts val="0"/>
+              </a:spcBef>
+              <a:spcAft>
+                <a:spcPts val="0"/>
+              </a:spcAft>
+              <a:buNone/>
+            </a:pPr>
+            <a:endParaRPr dirty="0"/>
+          </a:p>
+        </p:txBody>
+      </p:sp>
+    </p:spTree>
+  </p:cSld>
+  <p:clrMapOvr>
+    <a:masterClrMapping/>
+  </p:clrMapOvr>
+</p:notes>
+</file>
+
+<file path=ppt/notesSlides/notesSlide9.xml><?xml version="1.0" encoding="utf-8"?>
+<p:notes xmlns:a="http://schemas.openxmlformats.org/drawingml/2006/main" xmlns:r="http://schemas.openxmlformats.org/officeDocument/2006/relationships" xmlns:p="http://schemas.openxmlformats.org/presentationml/2006/main" showMasterSp="0" showMasterPhAnim="0">
+  <p:cSld>
+    <p:spTree>
+      <p:nvGrpSpPr>
+        <p:cNvPr id="1" name="Shape 131"/>
+        <p:cNvGrpSpPr/>
+        <p:nvPr/>
+      </p:nvGrpSpPr>
+      <p:grpSpPr>
+        <a:xfrm>
+          <a:off x="0" y="0"/>
+          <a:ext cx="0" cy="0"/>
+          <a:chOff x="0" y="0"/>
+          <a:chExt cx="0" cy="0"/>
+        </a:xfrm>
+      </p:grpSpPr>
+      <p:sp>
+        <p:nvSpPr>
+          <p:cNvPr id="132" name="Google Shape;132;g31ef99d2c91_0_67:notes"/>
+          <p:cNvSpPr>
+            <a:spLocks noGrp="1" noRot="1" noChangeAspect="1"/>
+          </p:cNvSpPr>
+          <p:nvPr>
+            <p:ph type="sldImg" idx="2"/>
+          </p:nvPr>
+        </p:nvSpPr>
+        <p:spPr>
+          <a:xfrm>
+            <a:off x="381000" y="685800"/>
+            <a:ext cx="6096000" cy="3429000"/>
+          </a:xfrm>
+          <a:custGeom>
+            <a:avLst/>
+            <a:gdLst/>
+            <a:ahLst/>
+            <a:cxnLst/>
+            <a:rect l="l" t="t" r="r" b="b"/>
+            <a:pathLst>
+              <a:path w="120000" h="120000" extrusionOk="0">
+                <a:moveTo>
+                  <a:pt x="0" y="0"/>
+                </a:moveTo>
+                <a:lnTo>
+                  <a:pt x="120000" y="0"/>
+                </a:lnTo>
+                <a:lnTo>
+                  <a:pt x="120000" y="120000"/>
+                </a:lnTo>
+                <a:lnTo>
+                  <a:pt x="0" y="120000"/>
+                </a:lnTo>
+                <a:close/>
+              </a:path>
+            </a:pathLst>
+          </a:custGeom>
+        </p:spPr>
+      </p:sp>
+      <p:sp>
+        <p:nvSpPr>
+          <p:cNvPr id="133" name="Google Shape;133;g31ef99d2c91_0_67:notes"/>
           <p:cNvSpPr txBox="1">
             <a:spLocks noGrp="1"/>
           </p:cNvSpPr>
@@ -6730,7 +6625,7 @@
   <p:cSld>
     <p:spTree>
       <p:nvGrpSpPr>
-        <p:cNvPr id="1" name="Shape 53"/>
+        <p:cNvPr id="1" name="Shape 60"/>
         <p:cNvGrpSpPr/>
         <p:nvPr/>
       </p:nvGrpSpPr>
@@ -6742,9 +6637,85 @@
           <a:chExt cx="0" cy="0"/>
         </a:xfrm>
       </p:grpSpPr>
+      <p:sp>
+        <p:nvSpPr>
+          <p:cNvPr id="61" name="Google Shape;61;p14"/>
+          <p:cNvSpPr txBox="1">
+            <a:spLocks noGrp="1"/>
+          </p:cNvSpPr>
+          <p:nvPr>
+            <p:ph type="ctrTitle"/>
+          </p:nvPr>
+        </p:nvSpPr>
+        <p:spPr>
+          <a:xfrm>
+            <a:off x="311708" y="744575"/>
+            <a:ext cx="8520600" cy="2052600"/>
+          </a:xfrm>
+          <a:prstGeom prst="rect">
+            <a:avLst/>
+          </a:prstGeom>
+        </p:spPr>
+        <p:txBody>
+          <a:bodyPr spcFirstLastPara="1" wrap="square" lIns="91425" tIns="91425" rIns="91425" bIns="91425" anchor="b" anchorCtr="0">
+            <a:normAutofit/>
+          </a:bodyPr>
+          <a:lstStyle/>
+          <a:p>
+            <a:pPr marL="0" lvl="0" indent="0" algn="ctr" rtl="0">
+              <a:spcBef>
+                <a:spcPts val="0"/>
+              </a:spcBef>
+              <a:spcAft>
+                <a:spcPts val="0"/>
+              </a:spcAft>
+              <a:buNone/>
+            </a:pPr>
+            <a:endParaRPr dirty="0"/>
+          </a:p>
+        </p:txBody>
+      </p:sp>
+      <p:sp>
+        <p:nvSpPr>
+          <p:cNvPr id="62" name="Google Shape;62;p14"/>
+          <p:cNvSpPr txBox="1">
+            <a:spLocks noGrp="1"/>
+          </p:cNvSpPr>
+          <p:nvPr>
+            <p:ph type="subTitle" idx="1"/>
+          </p:nvPr>
+        </p:nvSpPr>
+        <p:spPr>
+          <a:xfrm>
+            <a:off x="311700" y="2834125"/>
+            <a:ext cx="8520600" cy="792600"/>
+          </a:xfrm>
+          <a:prstGeom prst="rect">
+            <a:avLst/>
+          </a:prstGeom>
+        </p:spPr>
+        <p:txBody>
+          <a:bodyPr spcFirstLastPara="1" wrap="square" lIns="91425" tIns="91425" rIns="91425" bIns="91425" anchor="t" anchorCtr="0">
+            <a:normAutofit/>
+          </a:bodyPr>
+          <a:lstStyle/>
+          <a:p>
+            <a:pPr marL="0" lvl="0" indent="0" algn="ctr" rtl="0">
+              <a:spcBef>
+                <a:spcPts val="0"/>
+              </a:spcBef>
+              <a:spcAft>
+                <a:spcPts val="0"/>
+              </a:spcAft>
+              <a:buNone/>
+            </a:pPr>
+            <a:endParaRPr dirty="0"/>
+          </a:p>
+        </p:txBody>
+      </p:sp>
       <p:pic>
         <p:nvPicPr>
-          <p:cNvPr id="54" name="Google Shape;54;p13"/>
+          <p:cNvPr id="63" name="Google Shape;63;p14"/>
           <p:cNvPicPr preferRelativeResize="0"/>
           <p:nvPr/>
         </p:nvPicPr>
@@ -6771,14 +6742,14 @@
       </p:pic>
       <p:sp>
         <p:nvSpPr>
-          <p:cNvPr id="55" name="Google Shape;55;p13"/>
+          <p:cNvPr id="64" name="Google Shape;64;p14"/>
           <p:cNvSpPr txBox="1"/>
           <p:nvPr/>
         </p:nvSpPr>
         <p:spPr>
           <a:xfrm>
-            <a:off x="436625" y="881025"/>
-            <a:ext cx="8943000" cy="561900"/>
+            <a:off x="146600" y="2895500"/>
+            <a:ext cx="8760000" cy="2003700"/>
           </a:xfrm>
           <a:prstGeom prst="rect">
             <a:avLst/>
@@ -6804,84 +6775,60 @@
               <a:buNone/>
             </a:pPr>
             <a:r>
-              <a:rPr lang="en-GB" sz="4000" b="1" dirty="0">
-                <a:solidFill>
-                  <a:schemeClr val="accent1"/>
-                </a:solidFill>
+              <a:rPr lang="en-GB" sz="1800" b="1" dirty="0">
                 <a:latin typeface="Google Sans"/>
                 <a:ea typeface="Google Sans"/>
                 <a:cs typeface="Google Sans"/>
                 <a:sym typeface="Google Sans"/>
               </a:rPr>
-              <a:t>Guidelines</a:t>
-            </a:r>
-            <a:endParaRPr sz="4000" b="1" dirty="0">
-              <a:solidFill>
-                <a:schemeClr val="accent1"/>
-              </a:solidFill>
+              <a:t>Team Details</a:t>
+            </a:r>
+            <a:endParaRPr sz="1800" b="1" dirty="0">
               <a:latin typeface="Google Sans"/>
               <a:ea typeface="Google Sans"/>
               <a:cs typeface="Google Sans"/>
               <a:sym typeface="Google Sans"/>
             </a:endParaRPr>
           </a:p>
-        </p:txBody>
-      </p:sp>
-      <p:sp>
-        <p:nvSpPr>
-          <p:cNvPr id="56" name="Google Shape;56;p13"/>
-          <p:cNvSpPr txBox="1"/>
-          <p:nvPr/>
-        </p:nvSpPr>
-        <p:spPr>
-          <a:xfrm>
-            <a:off x="609900" y="1711275"/>
-            <a:ext cx="7924200" cy="2551200"/>
-          </a:xfrm>
-          <a:prstGeom prst="rect">
-            <a:avLst/>
-          </a:prstGeom>
-          <a:noFill/>
-          <a:ln>
-            <a:noFill/>
-          </a:ln>
-        </p:spPr>
-        <p:txBody>
-          <a:bodyPr spcFirstLastPara="1" wrap="square" lIns="91425" tIns="91425" rIns="91425" bIns="91425" anchor="t" anchorCtr="0">
-            <a:noAutofit/>
-          </a:bodyPr>
-          <a:lstStyle/>
-          <a:p>
-            <a:pPr marL="457200" lvl="0" indent="-323850" algn="l" rtl="0">
-              <a:spcBef>
-                <a:spcPts val="0"/>
-              </a:spcBef>
-              <a:spcAft>
-                <a:spcPts val="0"/>
-              </a:spcAft>
-              <a:buClr>
-                <a:srgbClr val="434343"/>
-              </a:buClr>
-              <a:buSzPts val="1500"/>
+          <a:p>
+            <a:pPr marL="0" lvl="0" indent="0" algn="l" rtl="0">
+              <a:spcBef>
+                <a:spcPts val="0"/>
+              </a:spcBef>
+              <a:spcAft>
+                <a:spcPts val="0"/>
+              </a:spcAft>
+              <a:buNone/>
+            </a:pPr>
+            <a:endParaRPr sz="1800" b="1" dirty="0">
+              <a:latin typeface="Google Sans"/>
+              <a:ea typeface="Google Sans"/>
+              <a:cs typeface="Google Sans"/>
+              <a:sym typeface="Google Sans"/>
+            </a:endParaRPr>
+          </a:p>
+          <a:p>
+            <a:pPr marL="914400" lvl="1" indent="-342900" algn="l" rtl="0">
+              <a:spcBef>
+                <a:spcPts val="0"/>
+              </a:spcBef>
+              <a:spcAft>
+                <a:spcPts val="0"/>
+              </a:spcAft>
+              <a:buSzPts val="1800"/>
               <a:buFont typeface="Google Sans"/>
-              <a:buChar char="●"/>
+              <a:buAutoNum type="alphaLcPeriod"/>
             </a:pPr>
             <a:r>
-              <a:rPr lang="en-GB" sz="1500" dirty="0">
-                <a:solidFill>
-                  <a:srgbClr val="434343"/>
-                </a:solidFill>
+              <a:rPr lang="en-GB" sz="1800" b="1" dirty="0">
                 <a:latin typeface="Google Sans"/>
                 <a:ea typeface="Google Sans"/>
                 <a:cs typeface="Google Sans"/>
                 <a:sym typeface="Google Sans"/>
               </a:rPr>
-              <a:t>Kindly use the given template for submitting your project (Make a copy of the template)</a:t>
-            </a:r>
-            <a:endParaRPr sz="1500" dirty="0">
-              <a:solidFill>
-                <a:srgbClr val="434343"/>
-              </a:solidFill>
+              <a:t>Team name: Team NextGen</a:t>
+            </a:r>
+            <a:endParaRPr sz="1800" b="1" dirty="0">
               <a:latin typeface="Google Sans"/>
               <a:ea typeface="Google Sans"/>
               <a:cs typeface="Google Sans"/>
@@ -6889,36 +6836,27 @@
             </a:endParaRPr>
           </a:p>
           <a:p>
-            <a:pPr marL="457200" lvl="0" indent="-323850" algn="l" rtl="0">
-              <a:spcBef>
-                <a:spcPts val="0"/>
-              </a:spcBef>
-              <a:spcAft>
-                <a:spcPts val="0"/>
-              </a:spcAft>
-              <a:buClr>
-                <a:srgbClr val="434343"/>
-              </a:buClr>
-              <a:buSzPts val="1500"/>
+            <a:pPr marL="914400" lvl="1" indent="-342900" algn="l" rtl="0">
+              <a:spcBef>
+                <a:spcPts val="0"/>
+              </a:spcBef>
+              <a:spcAft>
+                <a:spcPts val="0"/>
+              </a:spcAft>
+              <a:buSzPts val="1800"/>
               <a:buFont typeface="Google Sans"/>
-              <a:buChar char="●"/>
+              <a:buAutoNum type="alphaLcPeriod"/>
             </a:pPr>
             <a:r>
-              <a:rPr lang="en-GB" sz="1500" dirty="0">
-                <a:solidFill>
-                  <a:srgbClr val="434343"/>
-                </a:solidFill>
+              <a:rPr lang="en-GB" sz="1800" b="1" dirty="0">
                 <a:latin typeface="Google Sans"/>
                 <a:ea typeface="Google Sans"/>
                 <a:cs typeface="Google Sans"/>
                 <a:sym typeface="Google Sans"/>
               </a:rPr>
-              <a:t>One team is only required to submit one project.</a:t>
-            </a:r>
-            <a:endParaRPr sz="1500" dirty="0">
-              <a:solidFill>
-                <a:srgbClr val="434343"/>
-              </a:solidFill>
+              <a:t>Team leader name: Saikat Das</a:t>
+            </a:r>
+            <a:endParaRPr sz="1800" b="1" dirty="0">
               <a:latin typeface="Google Sans"/>
               <a:ea typeface="Google Sans"/>
               <a:cs typeface="Google Sans"/>
@@ -6926,188 +6864,40 @@
             </a:endParaRPr>
           </a:p>
           <a:p>
-            <a:pPr marL="457200" lvl="0" indent="-323850" algn="l" rtl="0">
-              <a:spcBef>
-                <a:spcPts val="0"/>
-              </a:spcBef>
-              <a:spcAft>
-                <a:spcPts val="0"/>
-              </a:spcAft>
-              <a:buClr>
-                <a:srgbClr val="434343"/>
-              </a:buClr>
-              <a:buSzPts val="1500"/>
+            <a:pPr marL="914400" lvl="1" indent="-342900" algn="l" rtl="0">
+              <a:spcBef>
+                <a:spcPts val="0"/>
+              </a:spcBef>
+              <a:spcAft>
+                <a:spcPts val="0"/>
+              </a:spcAft>
+              <a:buSzPts val="1800"/>
               <a:buFont typeface="Google Sans"/>
-              <a:buChar char="●"/>
+              <a:buAutoNum type="alphaLcPeriod"/>
             </a:pPr>
             <a:r>
-              <a:rPr lang="en-GB" sz="1500" dirty="0">
-                <a:solidFill>
-                  <a:srgbClr val="434343"/>
-                </a:solidFill>
+              <a:rPr lang="en-GB" sz="1800" b="1" dirty="0">
                 <a:latin typeface="Google Sans"/>
                 <a:ea typeface="Google Sans"/>
                 <a:cs typeface="Google Sans"/>
                 <a:sym typeface="Google Sans"/>
               </a:rPr>
-              <a:t>The ideal size of the presentation should not be more than 10 slides.</a:t>
-            </a:r>
-            <a:endParaRPr sz="1500" dirty="0">
+              <a:t>Problem Statement: </a:t>
+            </a:r>
+            <a:r>
+              <a:rPr lang="en-US" sz="1800" b="1" i="0" dirty="0">
+                <a:solidFill>
+                  <a:schemeClr val="tx1"/>
+                </a:solidFill>
+                <a:effectLst/>
+                <a:latin typeface="Open Sans" panose="020B0606030504020204" pitchFamily="34" charset="0"/>
+              </a:rPr>
+              <a:t>Empowering Small and Marginal Farmers with AI-Driven Agricultural Solutions</a:t>
+            </a:r>
+            <a:endParaRPr sz="1800" b="1" dirty="0">
               <a:solidFill>
-                <a:srgbClr val="434343"/>
+                <a:schemeClr val="tx1"/>
               </a:solidFill>
-              <a:latin typeface="Google Sans"/>
-              <a:ea typeface="Google Sans"/>
-              <a:cs typeface="Google Sans"/>
-              <a:sym typeface="Google Sans"/>
-            </a:endParaRPr>
-          </a:p>
-          <a:p>
-            <a:pPr marL="457200" lvl="0" indent="-323850" algn="l" rtl="0">
-              <a:spcBef>
-                <a:spcPts val="0"/>
-              </a:spcBef>
-              <a:spcAft>
-                <a:spcPts val="0"/>
-              </a:spcAft>
-              <a:buClr>
-                <a:srgbClr val="434343"/>
-              </a:buClr>
-              <a:buSzPts val="1500"/>
-              <a:buFont typeface="Google Sans"/>
-              <a:buChar char="●"/>
-            </a:pPr>
-            <a:r>
-              <a:rPr lang="en-GB" sz="1500" dirty="0">
-                <a:solidFill>
-                  <a:srgbClr val="434343"/>
-                </a:solidFill>
-                <a:latin typeface="Google Sans"/>
-                <a:ea typeface="Google Sans"/>
-                <a:cs typeface="Google Sans"/>
-                <a:sym typeface="Google Sans"/>
-              </a:rPr>
-              <a:t>You are welcome to add as many POCs and design concepts to support your project.</a:t>
-            </a:r>
-            <a:endParaRPr sz="1500" dirty="0">
-              <a:solidFill>
-                <a:srgbClr val="434343"/>
-              </a:solidFill>
-              <a:latin typeface="Google Sans"/>
-              <a:ea typeface="Google Sans"/>
-              <a:cs typeface="Google Sans"/>
-              <a:sym typeface="Google Sans"/>
-            </a:endParaRPr>
-          </a:p>
-          <a:p>
-            <a:pPr marL="457200" lvl="0" indent="-323850" algn="l" rtl="0">
-              <a:spcBef>
-                <a:spcPts val="0"/>
-              </a:spcBef>
-              <a:spcAft>
-                <a:spcPts val="0"/>
-              </a:spcAft>
-              <a:buClr>
-                <a:srgbClr val="434343"/>
-              </a:buClr>
-              <a:buSzPts val="1500"/>
-              <a:buFont typeface="Google Sans"/>
-              <a:buChar char="●"/>
-            </a:pPr>
-            <a:r>
-              <a:rPr lang="en-GB" sz="1500" dirty="0">
-                <a:solidFill>
-                  <a:srgbClr val="434343"/>
-                </a:solidFill>
-                <a:latin typeface="Google Sans"/>
-                <a:ea typeface="Google Sans"/>
-                <a:cs typeface="Google Sans"/>
-                <a:sym typeface="Google Sans"/>
-              </a:rPr>
-              <a:t>The project should be feasible and the team members should be capable enough, to come up with the prototype of the same idea, if required.</a:t>
-            </a:r>
-            <a:endParaRPr sz="1500" dirty="0">
-              <a:solidFill>
-                <a:srgbClr val="434343"/>
-              </a:solidFill>
-              <a:latin typeface="Google Sans"/>
-              <a:ea typeface="Google Sans"/>
-              <a:cs typeface="Google Sans"/>
-              <a:sym typeface="Google Sans"/>
-            </a:endParaRPr>
-          </a:p>
-          <a:p>
-            <a:pPr marL="457200" lvl="0" indent="-323850" algn="l" rtl="0">
-              <a:spcBef>
-                <a:spcPts val="0"/>
-              </a:spcBef>
-              <a:spcAft>
-                <a:spcPts val="0"/>
-              </a:spcAft>
-              <a:buClr>
-                <a:srgbClr val="434343"/>
-              </a:buClr>
-              <a:buSzPts val="1500"/>
-              <a:buFont typeface="Google Sans"/>
-              <a:buChar char="●"/>
-            </a:pPr>
-            <a:r>
-              <a:rPr lang="en-GB" sz="1500" dirty="0">
-                <a:solidFill>
-                  <a:srgbClr val="434343"/>
-                </a:solidFill>
-                <a:latin typeface="Google Sans"/>
-                <a:ea typeface="Google Sans"/>
-                <a:cs typeface="Google Sans"/>
-                <a:sym typeface="Google Sans"/>
-              </a:rPr>
-              <a:t>Projects using Google developer technologies like Gemini APIs &amp; building projects on IDX platform will earn additional points.</a:t>
-            </a:r>
-            <a:endParaRPr sz="1500" dirty="0">
-              <a:solidFill>
-                <a:srgbClr val="434343"/>
-              </a:solidFill>
-              <a:latin typeface="Google Sans"/>
-              <a:ea typeface="Google Sans"/>
-              <a:cs typeface="Google Sans"/>
-              <a:sym typeface="Google Sans"/>
-            </a:endParaRPr>
-          </a:p>
-          <a:p>
-            <a:pPr marL="457200" lvl="0" indent="-323850" algn="l" rtl="0">
-              <a:spcBef>
-                <a:spcPts val="0"/>
-              </a:spcBef>
-              <a:spcAft>
-                <a:spcPts val="0"/>
-              </a:spcAft>
-              <a:buClr>
-                <a:srgbClr val="434343"/>
-              </a:buClr>
-              <a:buSzPts val="1500"/>
-              <a:buFont typeface="Google Sans"/>
-              <a:buChar char="●"/>
-            </a:pPr>
-            <a:r>
-              <a:rPr lang="en-GB" sz="1500" dirty="0">
-                <a:solidFill>
-                  <a:srgbClr val="434343"/>
-                </a:solidFill>
-                <a:latin typeface="Google Sans"/>
-                <a:ea typeface="Google Sans"/>
-                <a:cs typeface="Google Sans"/>
-                <a:sym typeface="Google Sans"/>
-              </a:rPr>
-              <a:t>In case of queries, kindly reach out to us at solutionchallengesupport@hack2skill.com</a:t>
-            </a:r>
-            <a:endParaRPr sz="1500" dirty="0">
-              <a:solidFill>
-                <a:srgbClr val="434343"/>
-              </a:solidFill>
-              <a:latin typeface="Google Sans"/>
-              <a:ea typeface="Google Sans"/>
-              <a:cs typeface="Google Sans"/>
-              <a:sym typeface="Google Sans"/>
             </a:endParaRPr>
           </a:p>
         </p:txBody>
@@ -7121,271 +6911,6 @@
 </file>
 
 <file path=ppt/slides/slide10.xml><?xml version="1.0" encoding="utf-8"?>
-<p:sld xmlns:a="http://schemas.openxmlformats.org/drawingml/2006/main" xmlns:r="http://schemas.openxmlformats.org/officeDocument/2006/relationships" xmlns:p="http://schemas.openxmlformats.org/presentationml/2006/main">
-  <p:cSld>
-    <p:spTree>
-      <p:nvGrpSpPr>
-        <p:cNvPr id="1" name="Shape 134"/>
-        <p:cNvGrpSpPr/>
-        <p:nvPr/>
-      </p:nvGrpSpPr>
-      <p:grpSpPr>
-        <a:xfrm>
-          <a:off x="0" y="0"/>
-          <a:ext cx="0" cy="0"/>
-          <a:chOff x="0" y="0"/>
-          <a:chExt cx="0" cy="0"/>
-        </a:xfrm>
-      </p:grpSpPr>
-      <p:sp>
-        <p:nvSpPr>
-          <p:cNvPr id="135" name="Google Shape;135;p24"/>
-          <p:cNvSpPr txBox="1">
-            <a:spLocks noGrp="1"/>
-          </p:cNvSpPr>
-          <p:nvPr>
-            <p:ph type="ctrTitle"/>
-          </p:nvPr>
-        </p:nvSpPr>
-        <p:spPr>
-          <a:xfrm>
-            <a:off x="311708" y="744575"/>
-            <a:ext cx="8520600" cy="2052600"/>
-          </a:xfrm>
-          <a:prstGeom prst="rect">
-            <a:avLst/>
-          </a:prstGeom>
-        </p:spPr>
-        <p:txBody>
-          <a:bodyPr spcFirstLastPara="1" wrap="square" lIns="91425" tIns="91425" rIns="91425" bIns="91425" anchor="b" anchorCtr="0">
-            <a:normAutofit/>
-          </a:bodyPr>
-          <a:lstStyle/>
-          <a:p>
-            <a:pPr marL="0" lvl="0" indent="0" algn="ctr" rtl="0">
-              <a:spcBef>
-                <a:spcPts val="0"/>
-              </a:spcBef>
-              <a:spcAft>
-                <a:spcPts val="0"/>
-              </a:spcAft>
-              <a:buNone/>
-            </a:pPr>
-            <a:endParaRPr dirty="0"/>
-          </a:p>
-        </p:txBody>
-      </p:sp>
-      <p:sp>
-        <p:nvSpPr>
-          <p:cNvPr id="136" name="Google Shape;136;p24"/>
-          <p:cNvSpPr txBox="1">
-            <a:spLocks noGrp="1"/>
-          </p:cNvSpPr>
-          <p:nvPr>
-            <p:ph type="subTitle" idx="1"/>
-          </p:nvPr>
-        </p:nvSpPr>
-        <p:spPr>
-          <a:xfrm>
-            <a:off x="311700" y="2834125"/>
-            <a:ext cx="8520600" cy="792600"/>
-          </a:xfrm>
-          <a:prstGeom prst="rect">
-            <a:avLst/>
-          </a:prstGeom>
-        </p:spPr>
-        <p:txBody>
-          <a:bodyPr spcFirstLastPara="1" wrap="square" lIns="91425" tIns="91425" rIns="91425" bIns="91425" anchor="t" anchorCtr="0">
-            <a:normAutofit/>
-          </a:bodyPr>
-          <a:lstStyle/>
-          <a:p>
-            <a:pPr marL="0" lvl="0" indent="0" algn="ctr" rtl="0">
-              <a:spcBef>
-                <a:spcPts val="0"/>
-              </a:spcBef>
-              <a:spcAft>
-                <a:spcPts val="0"/>
-              </a:spcAft>
-              <a:buNone/>
-            </a:pPr>
-            <a:endParaRPr dirty="0"/>
-          </a:p>
-        </p:txBody>
-      </p:sp>
-      <p:pic>
-        <p:nvPicPr>
-          <p:cNvPr id="137" name="Google Shape;137;p24"/>
-          <p:cNvPicPr preferRelativeResize="0"/>
-          <p:nvPr/>
-        </p:nvPicPr>
-        <p:blipFill rotWithShape="1">
-          <a:blip r:embed="rId3">
-            <a:alphaModFix/>
-          </a:blip>
-          <a:srcRect/>
-          <a:stretch/>
-        </p:blipFill>
-        <p:spPr>
-          <a:xfrm>
-            <a:off x="0" y="0"/>
-            <a:ext cx="9144000" cy="5143500"/>
-          </a:xfrm>
-          <a:prstGeom prst="rect">
-            <a:avLst/>
-          </a:prstGeom>
-          <a:noFill/>
-          <a:ln>
-            <a:noFill/>
-          </a:ln>
-        </p:spPr>
-      </p:pic>
-      <p:sp>
-        <p:nvSpPr>
-          <p:cNvPr id="138" name="Google Shape;138;p24"/>
-          <p:cNvSpPr txBox="1"/>
-          <p:nvPr/>
-        </p:nvSpPr>
-        <p:spPr>
-          <a:xfrm>
-            <a:off x="405746" y="717536"/>
-            <a:ext cx="8894100" cy="696300"/>
-          </a:xfrm>
-          <a:prstGeom prst="rect">
-            <a:avLst/>
-          </a:prstGeom>
-          <a:noFill/>
-          <a:ln>
-            <a:noFill/>
-          </a:ln>
-        </p:spPr>
-        <p:txBody>
-          <a:bodyPr spcFirstLastPara="1" wrap="square" lIns="91425" tIns="91425" rIns="91425" bIns="91425" anchor="t" anchorCtr="0">
-            <a:noAutofit/>
-          </a:bodyPr>
-          <a:lstStyle/>
-          <a:p>
-            <a:pPr marL="0" lvl="0" indent="0" algn="l" rtl="0">
-              <a:spcBef>
-                <a:spcPts val="0"/>
-              </a:spcBef>
-              <a:spcAft>
-                <a:spcPts val="0"/>
-              </a:spcAft>
-              <a:buNone/>
-            </a:pPr>
-            <a:r>
-              <a:rPr lang="en-GB" sz="1800" dirty="0">
-                <a:latin typeface="Google Sans"/>
-                <a:ea typeface="Google Sans"/>
-                <a:cs typeface="Google Sans"/>
-                <a:sym typeface="Google Sans"/>
-              </a:rPr>
-              <a:t>Additional Details/Future Development (if any)</a:t>
-            </a:r>
-            <a:endParaRPr sz="1800" dirty="0">
-              <a:latin typeface="Google Sans"/>
-              <a:ea typeface="Google Sans"/>
-              <a:cs typeface="Google Sans"/>
-              <a:sym typeface="Google Sans"/>
-            </a:endParaRPr>
-          </a:p>
-        </p:txBody>
-      </p:sp>
-      <p:sp>
-        <p:nvSpPr>
-          <p:cNvPr id="2" name="TextBox 1">
-            <a:extLst>
-              <a:ext uri="{FF2B5EF4-FFF2-40B4-BE49-F238E27FC236}">
-                <a16:creationId xmlns:a16="http://schemas.microsoft.com/office/drawing/2014/main" id="{7105B4B6-2152-4DCC-1831-2D8DF714128E}"/>
-              </a:ext>
-            </a:extLst>
-          </p:cNvPr>
-          <p:cNvSpPr txBox="1"/>
-          <p:nvPr/>
-        </p:nvSpPr>
-        <p:spPr>
-          <a:xfrm>
-            <a:off x="527824" y="1155838"/>
-            <a:ext cx="8071440" cy="1200329"/>
-          </a:xfrm>
-          <a:prstGeom prst="rect">
-            <a:avLst/>
-          </a:prstGeom>
-          <a:noFill/>
-        </p:spPr>
-        <p:txBody>
-          <a:bodyPr wrap="none" rtlCol="0">
-            <a:spAutoFit/>
-          </a:bodyPr>
-          <a:lstStyle/>
-          <a:p>
-            <a:pPr marL="285750" indent="-285750">
-              <a:buFont typeface="Arial" panose="020B0604020202020204" pitchFamily="34" charset="0"/>
-              <a:buChar char="•"/>
-            </a:pPr>
-            <a:r>
-              <a:rPr lang="en-IN" sz="1800" dirty="0">
-                <a:latin typeface="Google Sans" panose="020B0604020202020204" charset="0"/>
-                <a:ea typeface="Google Sans" panose="020B0604020202020204" charset="0"/>
-                <a:cs typeface="Google Sans" panose="020B0604020202020204" charset="0"/>
-              </a:rPr>
-              <a:t>Add the Good Database System for Farmers.</a:t>
-            </a:r>
-          </a:p>
-          <a:p>
-            <a:pPr marL="285750" indent="-285750">
-              <a:buFont typeface="Arial" panose="020B0604020202020204" pitchFamily="34" charset="0"/>
-              <a:buChar char="•"/>
-            </a:pPr>
-            <a:r>
-              <a:rPr lang="en-IN" sz="1800" dirty="0">
-                <a:latin typeface="Google Sans" panose="020B0604020202020204" charset="0"/>
-                <a:ea typeface="Google Sans" panose="020B0604020202020204" charset="0"/>
-                <a:cs typeface="Google Sans" panose="020B0604020202020204" charset="0"/>
-              </a:rPr>
-              <a:t>Add a Community Section for all the local farmers.</a:t>
-            </a:r>
-          </a:p>
-          <a:p>
-            <a:pPr marL="285750" indent="-285750">
-              <a:buFont typeface="Arial" panose="020B0604020202020204" pitchFamily="34" charset="0"/>
-              <a:buChar char="•"/>
-            </a:pPr>
-            <a:r>
-              <a:rPr lang="en-IN" sz="1800" dirty="0">
-                <a:latin typeface="Google Sans" panose="020B0604020202020204" charset="0"/>
-                <a:ea typeface="Google Sans" panose="020B0604020202020204" charset="0"/>
-                <a:cs typeface="Google Sans" panose="020B0604020202020204" charset="0"/>
-              </a:rPr>
-              <a:t>Add a Tutorial section for learning</a:t>
-            </a:r>
-          </a:p>
-          <a:p>
-            <a:pPr marL="285750" indent="-285750">
-              <a:buFont typeface="Arial" panose="020B0604020202020204" pitchFamily="34" charset="0"/>
-              <a:buChar char="•"/>
-            </a:pPr>
-            <a:r>
-              <a:rPr lang="en-IN" sz="1800" dirty="0">
-                <a:latin typeface="Google Sans" panose="020B0604020202020204" charset="0"/>
-                <a:ea typeface="Google Sans" panose="020B0604020202020204" charset="0"/>
-                <a:cs typeface="Google Sans" panose="020B0604020202020204" charset="0"/>
-              </a:rPr>
-              <a:t>Add a Market Place where Farmers get the perfect pricing for their corps.</a:t>
-            </a:r>
-          </a:p>
-        </p:txBody>
-      </p:sp>
-    </p:spTree>
-  </p:cSld>
-  <p:clrMapOvr>
-    <a:masterClrMapping/>
-  </p:clrMapOvr>
-</p:sld>
-</file>
-
-<file path=ppt/slides/slide11.xml><?xml version="1.0" encoding="utf-8"?>
 <p:sld xmlns:a="http://schemas.openxmlformats.org/drawingml/2006/main" xmlns:r="http://schemas.openxmlformats.org/officeDocument/2006/relationships" xmlns:p="http://schemas.openxmlformats.org/presentationml/2006/main">
   <p:cSld>
     <p:spTree>
@@ -7720,7 +7245,7 @@
 </p:sld>
 </file>
 
-<file path=ppt/slides/slide12.xml><?xml version="1.0" encoding="utf-8"?>
+<file path=ppt/slides/slide11.xml><?xml version="1.0" encoding="utf-8"?>
 <p:sld xmlns:a="http://schemas.openxmlformats.org/drawingml/2006/main" xmlns:r="http://schemas.openxmlformats.org/officeDocument/2006/relationships" xmlns:p="http://schemas.openxmlformats.org/presentationml/2006/main">
   <p:cSld>
     <p:spTree>
@@ -7849,296 +7374,6 @@
 </file>
 
 <file path=ppt/slides/slide2.xml><?xml version="1.0" encoding="utf-8"?>
-<p:sld xmlns:a="http://schemas.openxmlformats.org/drawingml/2006/main" xmlns:r="http://schemas.openxmlformats.org/officeDocument/2006/relationships" xmlns:p="http://schemas.openxmlformats.org/presentationml/2006/main">
-  <p:cSld>
-    <p:spTree>
-      <p:nvGrpSpPr>
-        <p:cNvPr id="1" name="Shape 60"/>
-        <p:cNvGrpSpPr/>
-        <p:nvPr/>
-      </p:nvGrpSpPr>
-      <p:grpSpPr>
-        <a:xfrm>
-          <a:off x="0" y="0"/>
-          <a:ext cx="0" cy="0"/>
-          <a:chOff x="0" y="0"/>
-          <a:chExt cx="0" cy="0"/>
-        </a:xfrm>
-      </p:grpSpPr>
-      <p:sp>
-        <p:nvSpPr>
-          <p:cNvPr id="61" name="Google Shape;61;p14"/>
-          <p:cNvSpPr txBox="1">
-            <a:spLocks noGrp="1"/>
-          </p:cNvSpPr>
-          <p:nvPr>
-            <p:ph type="ctrTitle"/>
-          </p:nvPr>
-        </p:nvSpPr>
-        <p:spPr>
-          <a:xfrm>
-            <a:off x="311708" y="744575"/>
-            <a:ext cx="8520600" cy="2052600"/>
-          </a:xfrm>
-          <a:prstGeom prst="rect">
-            <a:avLst/>
-          </a:prstGeom>
-        </p:spPr>
-        <p:txBody>
-          <a:bodyPr spcFirstLastPara="1" wrap="square" lIns="91425" tIns="91425" rIns="91425" bIns="91425" anchor="b" anchorCtr="0">
-            <a:normAutofit/>
-          </a:bodyPr>
-          <a:lstStyle/>
-          <a:p>
-            <a:pPr marL="0" lvl="0" indent="0" algn="ctr" rtl="0">
-              <a:spcBef>
-                <a:spcPts val="0"/>
-              </a:spcBef>
-              <a:spcAft>
-                <a:spcPts val="0"/>
-              </a:spcAft>
-              <a:buNone/>
-            </a:pPr>
-            <a:endParaRPr dirty="0"/>
-          </a:p>
-        </p:txBody>
-      </p:sp>
-      <p:sp>
-        <p:nvSpPr>
-          <p:cNvPr id="62" name="Google Shape;62;p14"/>
-          <p:cNvSpPr txBox="1">
-            <a:spLocks noGrp="1"/>
-          </p:cNvSpPr>
-          <p:nvPr>
-            <p:ph type="subTitle" idx="1"/>
-          </p:nvPr>
-        </p:nvSpPr>
-        <p:spPr>
-          <a:xfrm>
-            <a:off x="311700" y="2834125"/>
-            <a:ext cx="8520600" cy="792600"/>
-          </a:xfrm>
-          <a:prstGeom prst="rect">
-            <a:avLst/>
-          </a:prstGeom>
-        </p:spPr>
-        <p:txBody>
-          <a:bodyPr spcFirstLastPara="1" wrap="square" lIns="91425" tIns="91425" rIns="91425" bIns="91425" anchor="t" anchorCtr="0">
-            <a:normAutofit/>
-          </a:bodyPr>
-          <a:lstStyle/>
-          <a:p>
-            <a:pPr marL="0" lvl="0" indent="0" algn="ctr" rtl="0">
-              <a:spcBef>
-                <a:spcPts val="0"/>
-              </a:spcBef>
-              <a:spcAft>
-                <a:spcPts val="0"/>
-              </a:spcAft>
-              <a:buNone/>
-            </a:pPr>
-            <a:endParaRPr dirty="0"/>
-          </a:p>
-        </p:txBody>
-      </p:sp>
-      <p:pic>
-        <p:nvPicPr>
-          <p:cNvPr id="63" name="Google Shape;63;p14"/>
-          <p:cNvPicPr preferRelativeResize="0"/>
-          <p:nvPr/>
-        </p:nvPicPr>
-        <p:blipFill rotWithShape="1">
-          <a:blip r:embed="rId3">
-            <a:alphaModFix/>
-          </a:blip>
-          <a:srcRect/>
-          <a:stretch/>
-        </p:blipFill>
-        <p:spPr>
-          <a:xfrm>
-            <a:off x="0" y="0"/>
-            <a:ext cx="9144000" cy="5143500"/>
-          </a:xfrm>
-          <a:prstGeom prst="rect">
-            <a:avLst/>
-          </a:prstGeom>
-          <a:noFill/>
-          <a:ln>
-            <a:noFill/>
-          </a:ln>
-        </p:spPr>
-      </p:pic>
-      <p:sp>
-        <p:nvSpPr>
-          <p:cNvPr id="64" name="Google Shape;64;p14"/>
-          <p:cNvSpPr txBox="1"/>
-          <p:nvPr/>
-        </p:nvSpPr>
-        <p:spPr>
-          <a:xfrm>
-            <a:off x="146600" y="2895500"/>
-            <a:ext cx="8760000" cy="2003700"/>
-          </a:xfrm>
-          <a:prstGeom prst="rect">
-            <a:avLst/>
-          </a:prstGeom>
-          <a:noFill/>
-          <a:ln>
-            <a:noFill/>
-          </a:ln>
-        </p:spPr>
-        <p:txBody>
-          <a:bodyPr spcFirstLastPara="1" wrap="square" lIns="91425" tIns="91425" rIns="91425" bIns="91425" anchor="t" anchorCtr="0">
-            <a:noAutofit/>
-          </a:bodyPr>
-          <a:lstStyle/>
-          <a:p>
-            <a:pPr marL="0" lvl="0" indent="0" algn="l" rtl="0">
-              <a:spcBef>
-                <a:spcPts val="0"/>
-              </a:spcBef>
-              <a:spcAft>
-                <a:spcPts val="0"/>
-              </a:spcAft>
-              <a:buNone/>
-            </a:pPr>
-            <a:r>
-              <a:rPr lang="en-GB" sz="1800" b="1" dirty="0">
-                <a:latin typeface="Google Sans"/>
-                <a:ea typeface="Google Sans"/>
-                <a:cs typeface="Google Sans"/>
-                <a:sym typeface="Google Sans"/>
-              </a:rPr>
-              <a:t>Team Details</a:t>
-            </a:r>
-            <a:endParaRPr sz="1800" b="1" dirty="0">
-              <a:latin typeface="Google Sans"/>
-              <a:ea typeface="Google Sans"/>
-              <a:cs typeface="Google Sans"/>
-              <a:sym typeface="Google Sans"/>
-            </a:endParaRPr>
-          </a:p>
-          <a:p>
-            <a:pPr marL="0" lvl="0" indent="0" algn="l" rtl="0">
-              <a:spcBef>
-                <a:spcPts val="0"/>
-              </a:spcBef>
-              <a:spcAft>
-                <a:spcPts val="0"/>
-              </a:spcAft>
-              <a:buNone/>
-            </a:pPr>
-            <a:endParaRPr sz="1800" b="1" dirty="0">
-              <a:latin typeface="Google Sans"/>
-              <a:ea typeface="Google Sans"/>
-              <a:cs typeface="Google Sans"/>
-              <a:sym typeface="Google Sans"/>
-            </a:endParaRPr>
-          </a:p>
-          <a:p>
-            <a:pPr marL="914400" lvl="1" indent="-342900" algn="l" rtl="0">
-              <a:spcBef>
-                <a:spcPts val="0"/>
-              </a:spcBef>
-              <a:spcAft>
-                <a:spcPts val="0"/>
-              </a:spcAft>
-              <a:buSzPts val="1800"/>
-              <a:buFont typeface="Google Sans"/>
-              <a:buAutoNum type="alphaLcPeriod"/>
-            </a:pPr>
-            <a:r>
-              <a:rPr lang="en-GB" sz="1800" b="1" dirty="0">
-                <a:latin typeface="Google Sans"/>
-                <a:ea typeface="Google Sans"/>
-                <a:cs typeface="Google Sans"/>
-                <a:sym typeface="Google Sans"/>
-              </a:rPr>
-              <a:t>Team name: Team NextGen</a:t>
-            </a:r>
-            <a:endParaRPr sz="1800" b="1" dirty="0">
-              <a:latin typeface="Google Sans"/>
-              <a:ea typeface="Google Sans"/>
-              <a:cs typeface="Google Sans"/>
-              <a:sym typeface="Google Sans"/>
-            </a:endParaRPr>
-          </a:p>
-          <a:p>
-            <a:pPr marL="914400" lvl="1" indent="-342900" algn="l" rtl="0">
-              <a:spcBef>
-                <a:spcPts val="0"/>
-              </a:spcBef>
-              <a:spcAft>
-                <a:spcPts val="0"/>
-              </a:spcAft>
-              <a:buSzPts val="1800"/>
-              <a:buFont typeface="Google Sans"/>
-              <a:buAutoNum type="alphaLcPeriod"/>
-            </a:pPr>
-            <a:r>
-              <a:rPr lang="en-GB" sz="1800" b="1" dirty="0">
-                <a:latin typeface="Google Sans"/>
-                <a:ea typeface="Google Sans"/>
-                <a:cs typeface="Google Sans"/>
-                <a:sym typeface="Google Sans"/>
-              </a:rPr>
-              <a:t>Team leader name: Saikat Das</a:t>
-            </a:r>
-            <a:endParaRPr sz="1800" b="1" dirty="0">
-              <a:latin typeface="Google Sans"/>
-              <a:ea typeface="Google Sans"/>
-              <a:cs typeface="Google Sans"/>
-              <a:sym typeface="Google Sans"/>
-            </a:endParaRPr>
-          </a:p>
-          <a:p>
-            <a:pPr marL="914400" lvl="1" indent="-342900" algn="l" rtl="0">
-              <a:spcBef>
-                <a:spcPts val="0"/>
-              </a:spcBef>
-              <a:spcAft>
-                <a:spcPts val="0"/>
-              </a:spcAft>
-              <a:buSzPts val="1800"/>
-              <a:buFont typeface="Google Sans"/>
-              <a:buAutoNum type="alphaLcPeriod"/>
-            </a:pPr>
-            <a:r>
-              <a:rPr lang="en-GB" sz="1800" b="1" dirty="0">
-                <a:latin typeface="Google Sans"/>
-                <a:ea typeface="Google Sans"/>
-                <a:cs typeface="Google Sans"/>
-                <a:sym typeface="Google Sans"/>
-              </a:rPr>
-              <a:t>Problem Statement: </a:t>
-            </a:r>
-            <a:r>
-              <a:rPr lang="en-US" sz="1800" b="1" i="0" dirty="0">
-                <a:solidFill>
-                  <a:schemeClr val="tx1"/>
-                </a:solidFill>
-                <a:effectLst/>
-                <a:latin typeface="Open Sans" panose="020B0606030504020204" pitchFamily="34" charset="0"/>
-              </a:rPr>
-              <a:t>Empowering Small and Marginal Farmers with AI-Driven Agricultural Solutions</a:t>
-            </a:r>
-            <a:endParaRPr sz="1800" b="1" dirty="0">
-              <a:solidFill>
-                <a:schemeClr val="tx1"/>
-              </a:solidFill>
-            </a:endParaRPr>
-          </a:p>
-        </p:txBody>
-      </p:sp>
-    </p:spTree>
-  </p:cSld>
-  <p:clrMapOvr>
-    <a:masterClrMapping/>
-  </p:clrMapOvr>
-</p:sld>
-</file>
-
-<file path=ppt/slides/slide3.xml><?xml version="1.0" encoding="utf-8"?>
 <p:sld xmlns:a="http://schemas.openxmlformats.org/drawingml/2006/main" xmlns:r="http://schemas.openxmlformats.org/officeDocument/2006/relationships" xmlns:p="http://schemas.openxmlformats.org/presentationml/2006/main">
   <p:cSld>
     <p:spTree>
@@ -8490,7 +7725,7 @@
 </p:sld>
 </file>
 
-<file path=ppt/slides/slide4.xml><?xml version="1.0" encoding="utf-8"?>
+<file path=ppt/slides/slide3.xml><?xml version="1.0" encoding="utf-8"?>
 <p:sld xmlns:a="http://schemas.openxmlformats.org/drawingml/2006/main" xmlns:r="http://schemas.openxmlformats.org/officeDocument/2006/relationships" xmlns:p="http://schemas.openxmlformats.org/presentationml/2006/main">
   <p:cSld>
     <p:spTree>
@@ -8894,7 +8129,7 @@
 </p:sld>
 </file>
 
-<file path=ppt/slides/slide5.xml><?xml version="1.0" encoding="utf-8"?>
+<file path=ppt/slides/slide4.xml><?xml version="1.0" encoding="utf-8"?>
 <p:sld xmlns:a="http://schemas.openxmlformats.org/drawingml/2006/main" xmlns:r="http://schemas.openxmlformats.org/officeDocument/2006/relationships" xmlns:p="http://schemas.openxmlformats.org/presentationml/2006/main">
   <p:cSld>
     <p:spTree>
@@ -9363,7 +8598,7 @@
 </p:sld>
 </file>
 
-<file path=ppt/slides/slide6.xml><?xml version="1.0" encoding="utf-8"?>
+<file path=ppt/slides/slide5.xml><?xml version="1.0" encoding="utf-8"?>
 <p:sld xmlns:a="http://schemas.openxmlformats.org/drawingml/2006/main" xmlns:r="http://schemas.openxmlformats.org/officeDocument/2006/relationships" xmlns:p="http://schemas.openxmlformats.org/presentationml/2006/main">
   <p:cSld>
     <p:spTree>
@@ -9505,7 +8740,7 @@
         <p:spPr>
           <a:xfrm>
             <a:off x="404812" y="966626"/>
-            <a:ext cx="8334375" cy="3501295"/>
+            <a:ext cx="8334375" cy="3550365"/>
           </a:xfrm>
           <a:prstGeom prst="rect">
             <a:avLst/>
@@ -9572,7 +8807,7 @@
 </p:sld>
 </file>
 
-<file path=ppt/slides/slide7.xml><?xml version="1.0" encoding="utf-8"?>
+<file path=ppt/slides/slide6.xml><?xml version="1.0" encoding="utf-8"?>
 <p:sld xmlns:a="http://schemas.openxmlformats.org/drawingml/2006/main" xmlns:r="http://schemas.openxmlformats.org/officeDocument/2006/relationships" xmlns:p="http://schemas.openxmlformats.org/presentationml/2006/main">
   <p:cSld>
     <p:spTree>
@@ -9782,7 +9017,7 @@
 </p:sld>
 </file>
 
-<file path=ppt/slides/slide8.xml><?xml version="1.0" encoding="utf-8"?>
+<file path=ppt/slides/slide7.xml><?xml version="1.0" encoding="utf-8"?>
 <p:sld xmlns:a="http://schemas.openxmlformats.org/drawingml/2006/main" xmlns:r="http://schemas.openxmlformats.org/officeDocument/2006/relationships" xmlns:p="http://schemas.openxmlformats.org/presentationml/2006/main">
   <p:cSld>
     <p:spTree>
@@ -10108,7 +9343,7 @@
 </p:sld>
 </file>
 
-<file path=ppt/slides/slide9.xml><?xml version="1.0" encoding="utf-8"?>
+<file path=ppt/slides/slide8.xml><?xml version="1.0" encoding="utf-8"?>
 <p:sld xmlns:a="http://schemas.openxmlformats.org/drawingml/2006/main" xmlns:r="http://schemas.openxmlformats.org/officeDocument/2006/relationships" xmlns:p="http://schemas.openxmlformats.org/presentationml/2006/main">
   <p:cSld>
     <p:spTree>
@@ -10216,7 +9451,7 @@
         </p:blipFill>
         <p:spPr>
           <a:xfrm>
-            <a:off x="14326" y="0"/>
+            <a:off x="0" y="0"/>
             <a:ext cx="9144000" cy="5143500"/>
           </a:xfrm>
           <a:prstGeom prst="rect">
@@ -10302,104 +9537,279 @@
         </p:blipFill>
         <p:spPr>
           <a:xfrm>
-            <a:off x="448701" y="856347"/>
-            <a:ext cx="3825933" cy="2052600"/>
+            <a:off x="448701" y="847493"/>
+            <a:ext cx="8278987" cy="4088780"/>
           </a:xfrm>
           <a:prstGeom prst="rect">
             <a:avLst/>
           </a:prstGeom>
         </p:spPr>
       </p:pic>
-      <p:pic>
-        <p:nvPicPr>
-          <p:cNvPr id="7" name="Picture 6">
-            <a:extLst>
-              <a:ext uri="{FF2B5EF4-FFF2-40B4-BE49-F238E27FC236}">
-                <a16:creationId xmlns:a16="http://schemas.microsoft.com/office/drawing/2014/main" id="{1FA47EA8-229B-984A-490C-BECEFDC9049E}"/>
-              </a:ext>
-            </a:extLst>
-          </p:cNvPr>
-          <p:cNvPicPr>
-            <a:picLocks noChangeAspect="1"/>
-          </p:cNvPicPr>
-          <p:nvPr/>
-        </p:nvPicPr>
-        <p:blipFill>
-          <a:blip r:embed="rId5"/>
-          <a:stretch>
-            <a:fillRect/>
-          </a:stretch>
-        </p:blipFill>
+    </p:spTree>
+  </p:cSld>
+  <p:clrMapOvr>
+    <a:masterClrMapping/>
+  </p:clrMapOvr>
+</p:sld>
+</file>
+
+<file path=ppt/slides/slide9.xml><?xml version="1.0" encoding="utf-8"?>
+<p:sld xmlns:a="http://schemas.openxmlformats.org/drawingml/2006/main" xmlns:r="http://schemas.openxmlformats.org/officeDocument/2006/relationships" xmlns:p="http://schemas.openxmlformats.org/presentationml/2006/main">
+  <p:cSld>
+    <p:spTree>
+      <p:nvGrpSpPr>
+        <p:cNvPr id="1" name="Shape 134"/>
+        <p:cNvGrpSpPr/>
+        <p:nvPr/>
+      </p:nvGrpSpPr>
+      <p:grpSpPr>
+        <a:xfrm>
+          <a:off x="0" y="0"/>
+          <a:ext cx="0" cy="0"/>
+          <a:chOff x="0" y="0"/>
+          <a:chExt cx="0" cy="0"/>
+        </a:xfrm>
+      </p:grpSpPr>
+      <p:sp>
+        <p:nvSpPr>
+          <p:cNvPr id="135" name="Google Shape;135;p24"/>
+          <p:cNvSpPr txBox="1">
+            <a:spLocks noGrp="1"/>
+          </p:cNvSpPr>
+          <p:nvPr>
+            <p:ph type="ctrTitle"/>
+          </p:nvPr>
+        </p:nvSpPr>
         <p:spPr>
           <a:xfrm>
-            <a:off x="4709009" y="848858"/>
-            <a:ext cx="3795655" cy="1985267"/>
+            <a:off x="311708" y="744575"/>
+            <a:ext cx="8520600" cy="2052600"/>
           </a:xfrm>
           <a:prstGeom prst="rect">
             <a:avLst/>
           </a:prstGeom>
         </p:spPr>
-      </p:pic>
-      <p:pic>
-        <p:nvPicPr>
-          <p:cNvPr id="9" name="Picture 8">
-            <a:extLst>
-              <a:ext uri="{FF2B5EF4-FFF2-40B4-BE49-F238E27FC236}">
-                <a16:creationId xmlns:a16="http://schemas.microsoft.com/office/drawing/2014/main" id="{728EE67C-ED88-BEE8-CC5A-EBBDAC0EB72C}"/>
-              </a:ext>
-            </a:extLst>
-          </p:cNvPr>
-          <p:cNvPicPr>
-            <a:picLocks noChangeAspect="1"/>
-          </p:cNvPicPr>
-          <p:nvPr/>
-        </p:nvPicPr>
-        <p:blipFill>
-          <a:blip r:embed="rId6"/>
-          <a:stretch>
-            <a:fillRect/>
-          </a:stretch>
-        </p:blipFill>
+        <p:txBody>
+          <a:bodyPr spcFirstLastPara="1" wrap="square" lIns="91425" tIns="91425" rIns="91425" bIns="91425" anchor="b" anchorCtr="0">
+            <a:normAutofit/>
+          </a:bodyPr>
+          <a:lstStyle/>
+          <a:p>
+            <a:pPr marL="0" lvl="0" indent="0" algn="ctr" rtl="0">
+              <a:spcBef>
+                <a:spcPts val="0"/>
+              </a:spcBef>
+              <a:spcAft>
+                <a:spcPts val="0"/>
+              </a:spcAft>
+              <a:buNone/>
+            </a:pPr>
+            <a:endParaRPr dirty="0"/>
+          </a:p>
+        </p:txBody>
+      </p:sp>
+      <p:sp>
+        <p:nvSpPr>
+          <p:cNvPr id="136" name="Google Shape;136;p24"/>
+          <p:cNvSpPr txBox="1">
+            <a:spLocks noGrp="1"/>
+          </p:cNvSpPr>
+          <p:nvPr>
+            <p:ph type="subTitle" idx="1"/>
+          </p:nvPr>
+        </p:nvSpPr>
         <p:spPr>
           <a:xfrm>
-            <a:off x="448701" y="3048606"/>
-            <a:ext cx="3825933" cy="1924000"/>
+            <a:off x="311700" y="2834125"/>
+            <a:ext cx="8520600" cy="792600"/>
           </a:xfrm>
           <a:prstGeom prst="rect">
             <a:avLst/>
           </a:prstGeom>
         </p:spPr>
-      </p:pic>
+        <p:txBody>
+          <a:bodyPr spcFirstLastPara="1" wrap="square" lIns="91425" tIns="91425" rIns="91425" bIns="91425" anchor="t" anchorCtr="0">
+            <a:normAutofit/>
+          </a:bodyPr>
+          <a:lstStyle/>
+          <a:p>
+            <a:pPr marL="0" lvl="0" indent="0" algn="ctr" rtl="0">
+              <a:spcBef>
+                <a:spcPts val="0"/>
+              </a:spcBef>
+              <a:spcAft>
+                <a:spcPts val="0"/>
+              </a:spcAft>
+              <a:buNone/>
+            </a:pPr>
+            <a:endParaRPr dirty="0"/>
+          </a:p>
+        </p:txBody>
+      </p:sp>
       <p:pic>
         <p:nvPicPr>
-          <p:cNvPr id="11" name="Picture 10">
-            <a:extLst>
-              <a:ext uri="{FF2B5EF4-FFF2-40B4-BE49-F238E27FC236}">
-                <a16:creationId xmlns:a16="http://schemas.microsoft.com/office/drawing/2014/main" id="{F3796D49-F6CF-4569-E57D-29BC13B8C40A}"/>
-              </a:ext>
-            </a:extLst>
-          </p:cNvPr>
-          <p:cNvPicPr>
-            <a:picLocks noChangeAspect="1"/>
-          </p:cNvPicPr>
+          <p:cNvPr id="137" name="Google Shape;137;p24"/>
+          <p:cNvPicPr preferRelativeResize="0"/>
           <p:nvPr/>
         </p:nvPicPr>
-        <p:blipFill>
-          <a:blip r:embed="rId7"/>
-          <a:stretch>
-            <a:fillRect/>
-          </a:stretch>
+        <p:blipFill rotWithShape="1">
+          <a:blip r:embed="rId3">
+            <a:alphaModFix/>
+          </a:blip>
+          <a:srcRect/>
+          <a:stretch/>
         </p:blipFill>
         <p:spPr>
           <a:xfrm>
-            <a:off x="4709008" y="3090898"/>
-            <a:ext cx="3795655" cy="1865231"/>
+            <a:off x="0" y="0"/>
+            <a:ext cx="9144000" cy="5143500"/>
           </a:xfrm>
           <a:prstGeom prst="rect">
             <a:avLst/>
           </a:prstGeom>
+          <a:noFill/>
+          <a:ln>
+            <a:noFill/>
+          </a:ln>
         </p:spPr>
       </p:pic>
+      <p:sp>
+        <p:nvSpPr>
+          <p:cNvPr id="138" name="Google Shape;138;p24"/>
+          <p:cNvSpPr txBox="1"/>
+          <p:nvPr/>
+        </p:nvSpPr>
+        <p:spPr>
+          <a:xfrm>
+            <a:off x="405746" y="717536"/>
+            <a:ext cx="8894100" cy="696300"/>
+          </a:xfrm>
+          <a:prstGeom prst="rect">
+            <a:avLst/>
+          </a:prstGeom>
+          <a:noFill/>
+          <a:ln>
+            <a:noFill/>
+          </a:ln>
+        </p:spPr>
+        <p:txBody>
+          <a:bodyPr spcFirstLastPara="1" wrap="square" lIns="91425" tIns="91425" rIns="91425" bIns="91425" anchor="t" anchorCtr="0">
+            <a:noAutofit/>
+          </a:bodyPr>
+          <a:lstStyle/>
+          <a:p>
+            <a:pPr marL="0" lvl="0" indent="0" algn="l" rtl="0">
+              <a:spcBef>
+                <a:spcPts val="0"/>
+              </a:spcBef>
+              <a:spcAft>
+                <a:spcPts val="0"/>
+              </a:spcAft>
+              <a:buNone/>
+            </a:pPr>
+            <a:r>
+              <a:rPr lang="en-GB" sz="1800" dirty="0">
+                <a:latin typeface="Google Sans"/>
+                <a:ea typeface="Google Sans"/>
+                <a:cs typeface="Google Sans"/>
+                <a:sym typeface="Google Sans"/>
+              </a:rPr>
+              <a:t>Additional Details/Future Development (if any)</a:t>
+            </a:r>
+            <a:endParaRPr sz="1800" dirty="0">
+              <a:latin typeface="Google Sans"/>
+              <a:ea typeface="Google Sans"/>
+              <a:cs typeface="Google Sans"/>
+              <a:sym typeface="Google Sans"/>
+            </a:endParaRPr>
+          </a:p>
+        </p:txBody>
+      </p:sp>
+      <p:sp>
+        <p:nvSpPr>
+          <p:cNvPr id="2" name="TextBox 1">
+            <a:extLst>
+              <a:ext uri="{FF2B5EF4-FFF2-40B4-BE49-F238E27FC236}">
+                <a16:creationId xmlns:a16="http://schemas.microsoft.com/office/drawing/2014/main" id="{7105B4B6-2152-4DCC-1831-2D8DF714128E}"/>
+              </a:ext>
+            </a:extLst>
+          </p:cNvPr>
+          <p:cNvSpPr txBox="1"/>
+          <p:nvPr/>
+        </p:nvSpPr>
+        <p:spPr>
+          <a:xfrm>
+            <a:off x="527824" y="1155838"/>
+            <a:ext cx="8071440" cy="1200329"/>
+          </a:xfrm>
+          <a:prstGeom prst="rect">
+            <a:avLst/>
+          </a:prstGeom>
+          <a:noFill/>
+        </p:spPr>
+        <p:txBody>
+          <a:bodyPr wrap="none" rtlCol="0">
+            <a:spAutoFit/>
+          </a:bodyPr>
+          <a:lstStyle/>
+          <a:p>
+            <a:pPr marL="285750" indent="-285750">
+              <a:buFont typeface="Arial" panose="020B0604020202020204" pitchFamily="34" charset="0"/>
+              <a:buChar char="•"/>
+            </a:pPr>
+            <a:r>
+              <a:rPr lang="en-IN" sz="1800" dirty="0">
+                <a:latin typeface="Google Sans" panose="020B0604020202020204" charset="0"/>
+                <a:ea typeface="Google Sans" panose="020B0604020202020204" charset="0"/>
+                <a:cs typeface="Google Sans" panose="020B0604020202020204" charset="0"/>
+              </a:rPr>
+              <a:t>Add the Good Database System for Farmers.</a:t>
+            </a:r>
+          </a:p>
+          <a:p>
+            <a:pPr marL="285750" indent="-285750">
+              <a:buFont typeface="Arial" panose="020B0604020202020204" pitchFamily="34" charset="0"/>
+              <a:buChar char="•"/>
+            </a:pPr>
+            <a:r>
+              <a:rPr lang="en-IN" sz="1800" dirty="0">
+                <a:latin typeface="Google Sans" panose="020B0604020202020204" charset="0"/>
+                <a:ea typeface="Google Sans" panose="020B0604020202020204" charset="0"/>
+                <a:cs typeface="Google Sans" panose="020B0604020202020204" charset="0"/>
+              </a:rPr>
+              <a:t>Add a Community Section for all the local farmers.</a:t>
+            </a:r>
+          </a:p>
+          <a:p>
+            <a:pPr marL="285750" indent="-285750">
+              <a:buFont typeface="Arial" panose="020B0604020202020204" pitchFamily="34" charset="0"/>
+              <a:buChar char="•"/>
+            </a:pPr>
+            <a:r>
+              <a:rPr lang="en-IN" sz="1800" dirty="0">
+                <a:latin typeface="Google Sans" panose="020B0604020202020204" charset="0"/>
+                <a:ea typeface="Google Sans" panose="020B0604020202020204" charset="0"/>
+                <a:cs typeface="Google Sans" panose="020B0604020202020204" charset="0"/>
+              </a:rPr>
+              <a:t>Add a Tutorial section for learning</a:t>
+            </a:r>
+          </a:p>
+          <a:p>
+            <a:pPr marL="285750" indent="-285750">
+              <a:buFont typeface="Arial" panose="020B0604020202020204" pitchFamily="34" charset="0"/>
+              <a:buChar char="•"/>
+            </a:pPr>
+            <a:r>
+              <a:rPr lang="en-IN" sz="1800" dirty="0">
+                <a:latin typeface="Google Sans" panose="020B0604020202020204" charset="0"/>
+                <a:ea typeface="Google Sans" panose="020B0604020202020204" charset="0"/>
+                <a:cs typeface="Google Sans" panose="020B0604020202020204" charset="0"/>
+              </a:rPr>
+              <a:t>Add a Market Place where Farmers get the perfect pricing for their corps.</a:t>
+            </a:r>
+          </a:p>
+        </p:txBody>
+      </p:sp>
     </p:spTree>
   </p:cSld>
   <p:clrMapOvr>
